--- a/archer/Introduction.pptx
+++ b/archer/Introduction.pptx
@@ -1316,15 +1316,7 @@
             </a:r>
             <a:r>
               <a:rPr lang="en-GB" baseline="0" dirty="0" smtClean="0"/>
-              <a:t> Carpentry </a:t>
-            </a:r>
-            <a:r>
-              <a:rPr lang="en-GB" baseline="0" dirty="0" smtClean="0"/>
-              <a:t>workshops, </a:t>
-            </a:r>
-            <a:r>
-              <a:rPr lang="en-GB" baseline="0" dirty="0" smtClean="0"/>
-              <a:t>online lectures and book.</a:t>
+              <a:t> Carpentry workshops, online lectures and book.</a:t>
             </a:r>
           </a:p>
           <a:p>
@@ -2649,7 +2641,87 @@
             </a:r>
           </a:p>
           <a:p>
-            <a:pPr algn="l"/>
+            <a:r>
+              <a:rPr lang="en-GB" dirty="0" err="1" smtClean="0"/>
+              <a:t>Prechelt</a:t>
+            </a:r>
+            <a:r>
+              <a:rPr lang="en-GB" dirty="0" smtClean="0"/>
+              <a:t>, L. An Empirical Comparison of</a:t>
+            </a:r>
+            <a:r>
+              <a:rPr lang="en-GB" baseline="0" dirty="0" smtClean="0"/>
+              <a:t> </a:t>
+            </a:r>
+            <a:r>
+              <a:rPr lang="en-GB" dirty="0" smtClean="0"/>
+              <a:t>Seven Programming Languages, IEEE Computer</a:t>
+            </a:r>
+            <a:r>
+              <a:rPr lang="en-GB" baseline="0" dirty="0" smtClean="0"/>
+              <a:t>, October 2000, pp23-29.</a:t>
+            </a:r>
+            <a:endParaRPr lang="en-GB" dirty="0" smtClean="0"/>
+          </a:p>
+          <a:p>
+            <a:r>
+              <a:rPr lang="en-GB" dirty="0" smtClean="0"/>
+              <a:t>http://citeseerx.ist.psu.edu/viewdoc/download?doi=10.1.1.113.1831&amp;rep=rep1&amp;type=pdf</a:t>
+            </a:r>
+          </a:p>
+          <a:p>
+            <a:r>
+              <a:rPr lang="en-GB" dirty="0" smtClean="0"/>
+              <a:t>C, C++, Java,</a:t>
+            </a:r>
+            <a:r>
+              <a:rPr lang="en-GB" baseline="0" dirty="0" smtClean="0"/>
+              <a:t> </a:t>
+            </a:r>
+            <a:r>
+              <a:rPr lang="en-GB" dirty="0" smtClean="0"/>
+              <a:t>Perl, Python, </a:t>
+            </a:r>
+            <a:r>
+              <a:rPr lang="en-GB" dirty="0" err="1" smtClean="0"/>
+              <a:t>Rexx</a:t>
+            </a:r>
+            <a:r>
+              <a:rPr lang="en-GB" dirty="0" smtClean="0"/>
+              <a:t>, and </a:t>
+            </a:r>
+            <a:r>
+              <a:rPr lang="en-GB" dirty="0" err="1" smtClean="0"/>
+              <a:t>Tcl</a:t>
+            </a:r>
+            <a:r>
+              <a:rPr lang="en-GB" dirty="0" smtClean="0"/>
+              <a:t>.</a:t>
+            </a:r>
+          </a:p>
+          <a:p>
+            <a:r>
+              <a:rPr lang="en-GB" dirty="0" err="1" smtClean="0"/>
+              <a:t>Corbató</a:t>
+            </a:r>
+            <a:r>
+              <a:rPr lang="en-GB" dirty="0" smtClean="0"/>
+              <a:t>, F. J. (6 May 1969). "PL/I as a Tool for System Programming". </a:t>
+            </a:r>
+            <a:r>
+              <a:rPr lang="en-GB" dirty="0" err="1" smtClean="0"/>
+              <a:t>Datamation</a:t>
+            </a:r>
+            <a:r>
+              <a:rPr lang="en-GB" dirty="0" smtClean="0"/>
+              <a:t> 15 (5</a:t>
+            </a:r>
+            <a:r>
+              <a:rPr lang="en-GB" smtClean="0"/>
+              <a:t>): 68–76.</a:t>
+            </a:r>
+          </a:p>
+          <a:p>
             <a:endParaRPr lang="en-GB" dirty="0" smtClean="0"/>
           </a:p>
         </p:txBody>
@@ -10027,24 +10099,12 @@
               <a:rPr lang="en-US" sz="4400" cap="none" dirty="0" smtClean="0"/>
               <a:t>ARCHER </a:t>
             </a:r>
-            <a:r>
-              <a:rPr lang="en-US" sz="4400" cap="none" dirty="0" smtClean="0"/>
-              <a:t/>
-            </a:r>
             <a:br>
               <a:rPr lang="en-US" sz="4400" cap="none" dirty="0" smtClean="0"/>
             </a:br>
             <a:r>
               <a:rPr lang="en-US" sz="4400" cap="none" dirty="0" smtClean="0"/>
-              <a:t>Software </a:t>
-            </a:r>
-            <a:r>
-              <a:rPr lang="en-US" sz="4400" cap="none" dirty="0" smtClean="0"/>
-              <a:t>Carpentry </a:t>
-            </a:r>
-            <a:r>
-              <a:rPr lang="en-US" sz="4400" cap="none" dirty="0" smtClean="0"/>
-              <a:t>workshop</a:t>
+              <a:t>Software Carpentry workshop</a:t>
             </a:r>
             <a:endParaRPr lang="en-US" sz="4400" cap="none" dirty="0"/>
           </a:p>
@@ -10095,11 +10155,7 @@
             <a:pPr algn="r"/>
             <a:r>
               <a:rPr lang="en-US" dirty="0" smtClean="0"/>
-              <a:t>ARCHER </a:t>
-            </a:r>
-            <a:r>
-              <a:rPr lang="en-US" dirty="0" smtClean="0"/>
-              <a:t>CSE Team</a:t>
+              <a:t>ARCHER CSE Team</a:t>
             </a:r>
           </a:p>
           <a:p>
@@ -10113,11 +10169,7 @@
             <a:pPr algn="r"/>
             <a:r>
               <a:rPr lang="en-US" dirty="0" smtClean="0"/>
-              <a:t>agrant3@epcc.ed.ac.uk</a:t>
-            </a:r>
-            <a:r>
-              <a:rPr lang="en-US" dirty="0" smtClean="0"/>
-              <a:t> </a:t>
+              <a:t>agrant3@epcc.ed.ac.uk </a:t>
             </a:r>
           </a:p>
           <a:p>
@@ -10126,7 +10178,6 @@
               <a:rPr lang="en-US" dirty="0" smtClean="0"/>
               <a:t>michaelj@epcc.ed.ac.uk</a:t>
             </a:r>
-            <a:endParaRPr lang="en-US" dirty="0" smtClean="0"/>
           </a:p>
           <a:p>
             <a:pPr algn="r"/>
@@ -10223,23 +10274,51 @@
           <a:lstStyle/>
           <a:p>
             <a:r>
-              <a:rPr lang="en-GB" sz="3200" dirty="0" smtClean="0"/>
+              <a:rPr lang="en-GB" dirty="0"/>
+              <a:t>“The number of lines of code a programmer can write in a fixed period of time is the same independent of the language used” – </a:t>
+            </a:r>
+            <a:r>
+              <a:rPr lang="en-GB" dirty="0" err="1"/>
+              <a:t>Corbato’s</a:t>
+            </a:r>
+            <a:r>
+              <a:rPr lang="en-GB" dirty="0"/>
+              <a:t> Law</a:t>
+            </a:r>
+          </a:p>
+          <a:p>
+            <a:r>
+              <a:rPr lang="en-GB" dirty="0"/>
+              <a:t>“Regardless of whether one is dealing with assembly language or compiler language, the number of debugged lines of source code per day is about the same!” (</a:t>
+            </a:r>
+            <a:r>
+              <a:rPr lang="en-GB" dirty="0" err="1"/>
+              <a:t>Corbato</a:t>
+            </a:r>
+            <a:r>
+              <a:rPr lang="en-GB" dirty="0"/>
+              <a:t> 1969)</a:t>
+            </a:r>
+          </a:p>
+          <a:p>
+            <a:r>
+              <a:rPr lang="en-GB" dirty="0" smtClean="0"/>
               <a:t>“</a:t>
             </a:r>
             <a:r>
-              <a:rPr lang="en-GB" sz="3200" dirty="0"/>
+              <a:rPr lang="en-GB" dirty="0"/>
               <a:t>performance variability that derives from differences among programmers of the same language … is on average as large or larger than the variability found among the different languages.” (</a:t>
             </a:r>
             <a:r>
-              <a:rPr lang="en-GB" sz="3200" dirty="0" err="1"/>
+              <a:rPr lang="en-GB" dirty="0" err="1"/>
               <a:t>Prechelt</a:t>
             </a:r>
             <a:r>
-              <a:rPr lang="en-GB" sz="3200" dirty="0"/>
+              <a:rPr lang="en-GB" dirty="0"/>
               <a:t> 2000</a:t>
             </a:r>
             <a:r>
-              <a:rPr lang="en-GB" sz="3200" dirty="0" smtClean="0"/>
+              <a:rPr lang="en-GB" dirty="0" smtClean="0"/>
               <a:t>)</a:t>
             </a:r>
           </a:p>
@@ -10247,13 +10326,13 @@
             <a:pPr marL="0" indent="0">
               <a:buNone/>
             </a:pPr>
-            <a:endParaRPr lang="en-GB" sz="2200" dirty="0"/>
+            <a:endParaRPr lang="en-GB" sz="1800" dirty="0"/>
           </a:p>
           <a:p>
             <a:pPr marL="0" indent="0">
               <a:buNone/>
             </a:pPr>
-            <a:endParaRPr lang="en-GB" sz="2200" dirty="0"/>
+            <a:endParaRPr lang="en-GB" sz="1800" dirty="0"/>
           </a:p>
         </p:txBody>
       </p:sp>
@@ -10270,7 +10349,128 @@
   <p:timing>
     <p:tnLst>
       <p:par>
-        <p:cTn id="1" dur="indefinite" restart="never" nodeType="tmRoot"/>
+        <p:cTn id="1" dur="indefinite" restart="never" nodeType="tmRoot">
+          <p:childTnLst>
+            <p:seq concurrent="1" nextAc="seek">
+              <p:cTn id="2" dur="indefinite" nodeType="mainSeq">
+                <p:childTnLst>
+                  <p:par>
+                    <p:cTn id="3" fill="hold">
+                      <p:stCondLst>
+                        <p:cond delay="indefinite"/>
+                      </p:stCondLst>
+                      <p:childTnLst>
+                        <p:par>
+                          <p:cTn id="4" fill="hold">
+                            <p:stCondLst>
+                              <p:cond delay="0"/>
+                            </p:stCondLst>
+                            <p:childTnLst>
+                              <p:par>
+                                <p:cTn id="5" presetID="1" presetClass="entr" presetSubtype="0" fill="hold" nodeType="clickEffect">
+                                  <p:stCondLst>
+                                    <p:cond delay="0"/>
+                                  </p:stCondLst>
+                                  <p:childTnLst>
+                                    <p:set>
+                                      <p:cBhvr>
+                                        <p:cTn id="6" dur="1" fill="hold">
+                                          <p:stCondLst>
+                                            <p:cond delay="0"/>
+                                          </p:stCondLst>
+                                        </p:cTn>
+                                        <p:tgtEl>
+                                          <p:spTgt spid="3">
+                                            <p:txEl>
+                                              <p:pRg st="1" end="1"/>
+                                            </p:txEl>
+                                          </p:spTgt>
+                                        </p:tgtEl>
+                                        <p:attrNameLst>
+                                          <p:attrName>style.visibility</p:attrName>
+                                        </p:attrNameLst>
+                                      </p:cBhvr>
+                                      <p:to>
+                                        <p:strVal val="visible"/>
+                                      </p:to>
+                                    </p:set>
+                                  </p:childTnLst>
+                                </p:cTn>
+                              </p:par>
+                            </p:childTnLst>
+                          </p:cTn>
+                        </p:par>
+                      </p:childTnLst>
+                    </p:cTn>
+                  </p:par>
+                  <p:par>
+                    <p:cTn id="7" fill="hold">
+                      <p:stCondLst>
+                        <p:cond delay="indefinite"/>
+                      </p:stCondLst>
+                      <p:childTnLst>
+                        <p:par>
+                          <p:cTn id="8" fill="hold">
+                            <p:stCondLst>
+                              <p:cond delay="0"/>
+                            </p:stCondLst>
+                            <p:childTnLst>
+                              <p:par>
+                                <p:cTn id="9" presetID="1" presetClass="entr" presetSubtype="0" fill="hold" nodeType="clickEffect">
+                                  <p:stCondLst>
+                                    <p:cond delay="0"/>
+                                  </p:stCondLst>
+                                  <p:childTnLst>
+                                    <p:set>
+                                      <p:cBhvr>
+                                        <p:cTn id="10" dur="1" fill="hold">
+                                          <p:stCondLst>
+                                            <p:cond delay="0"/>
+                                          </p:stCondLst>
+                                        </p:cTn>
+                                        <p:tgtEl>
+                                          <p:spTgt spid="3">
+                                            <p:txEl>
+                                              <p:pRg st="2" end="2"/>
+                                            </p:txEl>
+                                          </p:spTgt>
+                                        </p:tgtEl>
+                                        <p:attrNameLst>
+                                          <p:attrName>style.visibility</p:attrName>
+                                        </p:attrNameLst>
+                                      </p:cBhvr>
+                                      <p:to>
+                                        <p:strVal val="visible"/>
+                                      </p:to>
+                                    </p:set>
+                                  </p:childTnLst>
+                                </p:cTn>
+                              </p:par>
+                            </p:childTnLst>
+                          </p:cTn>
+                        </p:par>
+                      </p:childTnLst>
+                    </p:cTn>
+                  </p:par>
+                </p:childTnLst>
+              </p:cTn>
+              <p:prevCondLst>
+                <p:cond evt="onPrev" delay="0">
+                  <p:tgtEl>
+                    <p:sldTgt/>
+                  </p:tgtEl>
+                </p:cond>
+              </p:prevCondLst>
+              <p:nextCondLst>
+                <p:cond evt="onNext" delay="0">
+                  <p:tgtEl>
+                    <p:sldTgt/>
+                  </p:tgtEl>
+                </p:cond>
+              </p:nextCondLst>
+            </p:seq>
+          </p:childTnLst>
+        </p:cTn>
       </p:par>
     </p:tnLst>
   </p:timing>
@@ -13694,15 +13894,7 @@
             </a:r>
             <a:r>
               <a:rPr lang="en-US" dirty="0" smtClean="0"/>
-              <a:t> (they </a:t>
-            </a:r>
-            <a:r>
-              <a:rPr lang="en-US" dirty="0" smtClean="0"/>
-              <a:t>overlapped </a:t>
-            </a:r>
-            <a:r>
-              <a:rPr lang="en-US" dirty="0" smtClean="0"/>
-              <a:t>by ~4 months)</a:t>
+              <a:t> (they overlapped by ~4 months)</a:t>
             </a:r>
           </a:p>
           <a:p>
@@ -15120,23 +15312,34 @@
               <a:rPr lang="en-GB" dirty="0" smtClean="0"/>
               <a:t>!</a:t>
             </a:r>
-          </a:p>
-          <a:p>
             <a:endParaRPr lang="en-GB" dirty="0"/>
           </a:p>
           <a:p>
             <a:r>
               <a:rPr lang="en-GB" dirty="0" smtClean="0"/>
-              <a:t>How do we prevent ourselves introducing bugs when we’re optimizing and parallelizing?</a:t>
-            </a:r>
-          </a:p>
-          <a:p>
+              <a:t>But…</a:t>
+            </a:r>
+          </a:p>
+          <a:p>
+            <a:pPr lvl="1"/>
+            <a:r>
+              <a:rPr lang="en-GB" dirty="0" smtClean="0"/>
+              <a:t>How </a:t>
+            </a:r>
+            <a:r>
+              <a:rPr lang="en-GB" dirty="0" smtClean="0"/>
+              <a:t>do we prevent ourselves introducing bugs when we’re optimizing and parallelizing?</a:t>
+            </a:r>
+          </a:p>
+          <a:p>
+            <a:pPr lvl="1"/>
             <a:r>
               <a:rPr lang="en-GB" dirty="0" smtClean="0"/>
               <a:t>Isn’t our time more valuable than a computer’s time?</a:t>
             </a:r>
           </a:p>
           <a:p>
+            <a:pPr lvl="1"/>
             <a:r>
               <a:rPr lang="en-GB" dirty="0" smtClean="0"/>
               <a:t>Hardware life &lt; </a:t>
@@ -15147,12 +15350,13 @@
             </a:r>
             <a:r>
               <a:rPr lang="en-GB" dirty="0" smtClean="0"/>
-              <a:t>life &lt; our life</a:t>
+              <a:t>life &lt; our </a:t>
+            </a:r>
+            <a:r>
+              <a:rPr lang="en-GB" dirty="0" smtClean="0"/>
+              <a:t>life</a:t>
             </a:r>
             <a:endParaRPr lang="en-GB" dirty="0"/>
-          </a:p>
-          <a:p>
-            <a:endParaRPr lang="en-GB" dirty="0" smtClean="0"/>
           </a:p>
         </p:txBody>
       </p:sp>
@@ -15349,7 +15553,7 @@
                                         <p:tgtEl>
                                           <p:spTgt spid="3">
                                             <p:txEl>
-                                              <p:pRg st="4" end="4"/>
+                                              <p:pRg st="3" end="3"/>
                                             </p:txEl>
                                           </p:spTgt>
                                         </p:tgtEl>
@@ -15398,7 +15602,7 @@
                                         <p:tgtEl>
                                           <p:spTgt spid="3">
                                             <p:txEl>
-                                              <p:pRg st="5" end="5"/>
+                                              <p:pRg st="4" end="4"/>
                                             </p:txEl>
                                           </p:spTgt>
                                         </p:tgtEl>
@@ -15440,6 +15644,55 @@
                                     <p:set>
                                       <p:cBhvr>
                                         <p:cTn id="26" dur="1" fill="hold">
+                                          <p:stCondLst>
+                                            <p:cond delay="0"/>
+                                          </p:stCondLst>
+                                        </p:cTn>
+                                        <p:tgtEl>
+                                          <p:spTgt spid="3">
+                                            <p:txEl>
+                                              <p:pRg st="5" end="5"/>
+                                            </p:txEl>
+                                          </p:spTgt>
+                                        </p:tgtEl>
+                                        <p:attrNameLst>
+                                          <p:attrName>style.visibility</p:attrName>
+                                        </p:attrNameLst>
+                                      </p:cBhvr>
+                                      <p:to>
+                                        <p:strVal val="visible"/>
+                                      </p:to>
+                                    </p:set>
+                                  </p:childTnLst>
+                                </p:cTn>
+                              </p:par>
+                            </p:childTnLst>
+                          </p:cTn>
+                        </p:par>
+                      </p:childTnLst>
+                    </p:cTn>
+                  </p:par>
+                  <p:par>
+                    <p:cTn id="27" fill="hold">
+                      <p:stCondLst>
+                        <p:cond delay="indefinite"/>
+                      </p:stCondLst>
+                      <p:childTnLst>
+                        <p:par>
+                          <p:cTn id="28" fill="hold">
+                            <p:stCondLst>
+                              <p:cond delay="0"/>
+                            </p:stCondLst>
+                            <p:childTnLst>
+                              <p:par>
+                                <p:cTn id="29" presetID="1" presetClass="entr" presetSubtype="0" fill="hold" nodeType="clickEffect">
+                                  <p:stCondLst>
+                                    <p:cond delay="0"/>
+                                  </p:stCondLst>
+                                  <p:childTnLst>
+                                    <p:set>
+                                      <p:cBhvr>
+                                        <p:cTn id="30" dur="1" fill="hold">
                                           <p:stCondLst>
                                             <p:cond delay="0"/>
                                           </p:stCondLst>

--- a/archer/Introduction.pptx
+++ b/archer/Introduction.pptx
@@ -7,10 +7,10 @@
     <p:sldMasterId id="2147483821" r:id="rId3"/>
   </p:sldMasterIdLst>
   <p:notesMasterIdLst>
-    <p:notesMasterId r:id="rId20"/>
+    <p:notesMasterId r:id="rId19"/>
   </p:notesMasterIdLst>
   <p:handoutMasterIdLst>
-    <p:handoutMasterId r:id="rId21"/>
+    <p:handoutMasterId r:id="rId20"/>
   </p:handoutMasterIdLst>
   <p:sldIdLst>
     <p:sldId id="256" r:id="rId4"/>
@@ -24,11 +24,10 @@
     <p:sldId id="291" r:id="rId12"/>
     <p:sldId id="292" r:id="rId13"/>
     <p:sldId id="301" r:id="rId14"/>
-    <p:sldId id="293" r:id="rId15"/>
-    <p:sldId id="294" r:id="rId16"/>
-    <p:sldId id="295" r:id="rId17"/>
-    <p:sldId id="296" r:id="rId18"/>
-    <p:sldId id="297" r:id="rId19"/>
+    <p:sldId id="303" r:id="rId15"/>
+    <p:sldId id="304" r:id="rId16"/>
+    <p:sldId id="296" r:id="rId17"/>
+    <p:sldId id="297" r:id="rId18"/>
   </p:sldIdLst>
   <p:sldSz cx="9144000" cy="6858000" type="screen4x3"/>
   <p:notesSz cx="6858000" cy="9144000"/>
@@ -143,9 +142,8 @@
             <p14:sldId id="291"/>
             <p14:sldId id="292"/>
             <p14:sldId id="301"/>
-            <p14:sldId id="293"/>
-            <p14:sldId id="294"/>
-            <p14:sldId id="295"/>
+            <p14:sldId id="303"/>
+            <p14:sldId id="304"/>
             <p14:sldId id="296"/>
             <p14:sldId id="297"/>
           </p14:sldIdLst>
@@ -238,7 +236,7 @@
           <a:p>
             <a:fld id="{3724E0C8-CEB3-4512-94BB-DFCE9513899D}" type="datetimeFigureOut">
               <a:rPr lang="en-GB" smtClean="0"/>
-              <a:t>13/11/2014</a:t>
+              <a:t>27/11/2014</a:t>
             </a:fld>
             <a:endParaRPr lang="en-GB"/>
           </a:p>
@@ -403,7 +401,7 @@
           <a:p>
             <a:fld id="{2FB04699-2E7A-DC4A-A93D-A72983F9537E}" type="datetimeFigureOut">
               <a:rPr lang="en-US" smtClean="0"/>
-              <a:t>11/13/2014</a:t>
+              <a:t>11/27/2014</a:t>
             </a:fld>
             <a:endParaRPr lang="en-US"/>
           </a:p>
@@ -1029,54 +1027,6 @@
           <a:lstStyle/>
           <a:p>
             <a:r>
-              <a:rPr lang="en-GB" altLang="en-US" dirty="0" smtClean="0">
-                <a:latin typeface="Times New Roman" pitchFamily="18" charset="0"/>
-              </a:rPr>
-              <a:t>Consequences</a:t>
-            </a:r>
-            <a:r>
-              <a:rPr lang="en-GB" altLang="en-US" baseline="0" dirty="0" smtClean="0">
-                <a:latin typeface="Times New Roman" pitchFamily="18" charset="0"/>
-              </a:rPr>
-              <a:t> for missed bugs can be dramatic.</a:t>
-            </a:r>
-            <a:endParaRPr lang="en-GB" altLang="en-US" dirty="0" smtClean="0">
-              <a:latin typeface="Times New Roman" pitchFamily="18" charset="0"/>
-            </a:endParaRPr>
-          </a:p>
-          <a:p>
-            <a:r>
-              <a:rPr lang="en-GB" altLang="en-US" dirty="0" smtClean="0">
-                <a:latin typeface="Times New Roman" pitchFamily="18" charset="0"/>
-              </a:rPr>
-              <a:t>Geoffrey Chang, Scripps scholar, flipped sign bit, retracted</a:t>
-            </a:r>
-            <a:r>
-              <a:rPr lang="en-GB" altLang="en-US" baseline="0" dirty="0" smtClean="0">
-                <a:latin typeface="Times New Roman" pitchFamily="18" charset="0"/>
-              </a:rPr>
-              <a:t> papers from Science, December 2006.</a:t>
-            </a:r>
-          </a:p>
-          <a:p>
-            <a:r>
-              <a:rPr lang="en-GB" altLang="en-US" dirty="0" smtClean="0">
-                <a:latin typeface="Times New Roman" pitchFamily="18" charset="0"/>
-              </a:rPr>
-              <a:t>Wikipedia entry notes this</a:t>
-            </a:r>
-            <a:r>
-              <a:rPr lang="en-GB" altLang="en-US" baseline="0" dirty="0" smtClean="0">
-                <a:latin typeface="Times New Roman" pitchFamily="18" charset="0"/>
-              </a:rPr>
-              <a:t> unfortunate occurrence!</a:t>
-            </a:r>
-            <a:endParaRPr lang="en-GB" altLang="en-US" dirty="0" smtClean="0">
-              <a:latin typeface="Times New Roman" pitchFamily="18" charset="0"/>
-            </a:endParaRPr>
-          </a:p>
-          <a:p>
-            <a:r>
               <a:rPr lang="en-GB" altLang="en-US" dirty="0" err="1" smtClean="0">
                 <a:latin typeface="Times New Roman" pitchFamily="18" charset="0"/>
               </a:rPr>
@@ -1098,17 +1048,17 @@
               <a:rPr lang="en-GB" altLang="en-US" dirty="0" smtClean="0">
                 <a:latin typeface="Times New Roman" pitchFamily="18" charset="0"/>
               </a:rPr>
-              <a:t>they had to retract</a:t>
+              <a:t>they had to retract.</a:t>
             </a:r>
           </a:p>
           <a:p>
             <a:r>
               <a:rPr lang="en-GB" dirty="0" smtClean="0"/>
-              <a:t>How optimal is this? ;-)</a:t>
-            </a:r>
-          </a:p>
-          <a:p>
-            <a:endParaRPr lang="en-GB" dirty="0"/>
+              <a:t>How optimal is this?</a:t>
+            </a:r>
+          </a:p>
+          <a:p>
+            <a:endParaRPr lang="en-GB" dirty="0" smtClean="0"/>
           </a:p>
         </p:txBody>
       </p:sp>
@@ -1173,349 +1123,6 @@
       </p:grpSpPr>
       <p:sp>
         <p:nvSpPr>
-          <p:cNvPr id="89090" name="Slide Image Placeholder 1"/>
-          <p:cNvSpPr>
-            <a:spLocks noGrp="1" noRot="1" noChangeAspect="1" noTextEdit="1"/>
-          </p:cNvSpPr>
-          <p:nvPr>
-            <p:ph type="sldImg"/>
-          </p:nvPr>
-        </p:nvSpPr>
-        <p:spPr>
-          <a:ln/>
-        </p:spPr>
-      </p:sp>
-      <p:sp>
-        <p:nvSpPr>
-          <p:cNvPr id="89091" name="Notes Placeholder 2"/>
-          <p:cNvSpPr>
-            <a:spLocks noGrp="1"/>
-          </p:cNvSpPr>
-          <p:nvPr>
-            <p:ph type="body" idx="1"/>
-          </p:nvPr>
-        </p:nvSpPr>
-        <p:spPr>
-          <a:noFill/>
-          <a:ln/>
-          <a:extLst>
-            <a:ext uri="{909E8E84-426E-40DD-AFC4-6F175D3DCCD1}">
-              <a14:hiddenFill xmlns:a14="http://schemas.microsoft.com/office/drawing/2010/main">
-                <a:solidFill>
-                  <a:srgbClr val="FFFFFF"/>
-                </a:solidFill>
-              </a14:hiddenFill>
-            </a:ext>
-            <a:ext uri="{91240B29-F687-4F45-9708-019B960494DF}">
-              <a14:hiddenLine xmlns:a14="http://schemas.microsoft.com/office/drawing/2010/main" w="9525">
-                <a:solidFill>
-                  <a:srgbClr val="000000"/>
-                </a:solidFill>
-                <a:round/>
-                <a:headEnd/>
-                <a:tailEnd/>
-              </a14:hiddenLine>
-            </a:ext>
-          </a:extLst>
-        </p:spPr>
-        <p:txBody>
-          <a:bodyPr/>
-          <a:lstStyle/>
-          <a:p>
-            <a:r>
-              <a:rPr lang="en-GB" altLang="en-US" smtClean="0"/>
-              <a:t>Software </a:t>
-            </a:r>
-            <a:r>
-              <a:rPr lang="en-GB" altLang="en-US" dirty="0" smtClean="0"/>
-              <a:t>developers have the skills,</a:t>
-            </a:r>
-            <a:r>
-              <a:rPr lang="en-GB" altLang="en-US" baseline="0" dirty="0" smtClean="0"/>
-              <a:t> tools and techniques to help us but why aren’t they used?</a:t>
-            </a:r>
-            <a:endParaRPr lang="en-GB" altLang="en-US" dirty="0" smtClean="0"/>
-          </a:p>
-          <a:p>
-            <a:endParaRPr lang="en-GB" altLang="en-US" dirty="0" smtClean="0"/>
-          </a:p>
-        </p:txBody>
-      </p:sp>
-      <p:sp>
-        <p:nvSpPr>
-          <p:cNvPr id="89092" name="Slide Number Placeholder 3"/>
-          <p:cNvSpPr>
-            <a:spLocks noGrp="1"/>
-          </p:cNvSpPr>
-          <p:nvPr>
-            <p:ph type="sldNum" sz="quarter"/>
-          </p:nvPr>
-        </p:nvSpPr>
-        <p:spPr>
-          <a:noFill/>
-          <a:ln/>
-          <a:extLst>
-            <a:ext uri="{909E8E84-426E-40DD-AFC4-6F175D3DCCD1}">
-              <a14:hiddenFill xmlns:a14="http://schemas.microsoft.com/office/drawing/2010/main">
-                <a:solidFill>
-                  <a:srgbClr val="FFFFFF"/>
-                </a:solidFill>
-              </a14:hiddenFill>
-            </a:ext>
-            <a:ext uri="{91240B29-F687-4F45-9708-019B960494DF}">
-              <a14:hiddenLine xmlns:a14="http://schemas.microsoft.com/office/drawing/2010/main" w="9525">
-                <a:solidFill>
-                  <a:srgbClr val="000000"/>
-                </a:solidFill>
-                <a:round/>
-                <a:headEnd/>
-                <a:tailEnd/>
-              </a14:hiddenLine>
-            </a:ext>
-          </a:extLst>
-        </p:spPr>
-        <p:txBody>
-          <a:bodyPr/>
-          <a:lstStyle>
-            <a:lvl1pPr defTabSz="459071">
-              <a:tabLst>
-                <a:tab pos="740134" algn="l"/>
-                <a:tab pos="1480269" algn="l"/>
-                <a:tab pos="2221965" algn="l"/>
-                <a:tab pos="2962100" algn="l"/>
-                <a:tab pos="3702234" algn="l"/>
-              </a:tabLst>
-              <a:defRPr sz="2400">
-                <a:solidFill>
-                  <a:schemeClr val="bg1"/>
-                </a:solidFill>
-                <a:latin typeface="Times New Roman" pitchFamily="18" charset="0"/>
-              </a:defRPr>
-            </a:lvl1pPr>
-            <a:lvl2pPr marL="730766" indent="-281064" defTabSz="459071">
-              <a:tabLst>
-                <a:tab pos="740134" algn="l"/>
-                <a:tab pos="1480269" algn="l"/>
-                <a:tab pos="2221965" algn="l"/>
-                <a:tab pos="2962100" algn="l"/>
-                <a:tab pos="3702234" algn="l"/>
-              </a:tabLst>
-              <a:defRPr sz="2400">
-                <a:solidFill>
-                  <a:schemeClr val="bg1"/>
-                </a:solidFill>
-                <a:latin typeface="Times New Roman" pitchFamily="18" charset="0"/>
-              </a:defRPr>
-            </a:lvl2pPr>
-            <a:lvl3pPr marL="1124255" indent="-224851" defTabSz="459071">
-              <a:tabLst>
-                <a:tab pos="740134" algn="l"/>
-                <a:tab pos="1480269" algn="l"/>
-                <a:tab pos="2221965" algn="l"/>
-                <a:tab pos="2962100" algn="l"/>
-                <a:tab pos="3702234" algn="l"/>
-              </a:tabLst>
-              <a:defRPr sz="2400">
-                <a:solidFill>
-                  <a:schemeClr val="bg1"/>
-                </a:solidFill>
-                <a:latin typeface="Times New Roman" pitchFamily="18" charset="0"/>
-              </a:defRPr>
-            </a:lvl3pPr>
-            <a:lvl4pPr marL="1573957" indent="-224851" defTabSz="459071">
-              <a:tabLst>
-                <a:tab pos="740134" algn="l"/>
-                <a:tab pos="1480269" algn="l"/>
-                <a:tab pos="2221965" algn="l"/>
-                <a:tab pos="2962100" algn="l"/>
-                <a:tab pos="3702234" algn="l"/>
-              </a:tabLst>
-              <a:defRPr sz="2400">
-                <a:solidFill>
-                  <a:schemeClr val="bg1"/>
-                </a:solidFill>
-                <a:latin typeface="Times New Roman" pitchFamily="18" charset="0"/>
-              </a:defRPr>
-            </a:lvl4pPr>
-            <a:lvl5pPr marL="2023659" indent="-224851" defTabSz="459071">
-              <a:tabLst>
-                <a:tab pos="740134" algn="l"/>
-                <a:tab pos="1480269" algn="l"/>
-                <a:tab pos="2221965" algn="l"/>
-                <a:tab pos="2962100" algn="l"/>
-                <a:tab pos="3702234" algn="l"/>
-              </a:tabLst>
-              <a:defRPr sz="2400">
-                <a:solidFill>
-                  <a:schemeClr val="bg1"/>
-                </a:solidFill>
-                <a:latin typeface="Times New Roman" pitchFamily="18" charset="0"/>
-              </a:defRPr>
-            </a:lvl5pPr>
-            <a:lvl6pPr marL="2473361" indent="-224851" defTabSz="459071" eaLnBrk="0" fontAlgn="base" hangingPunct="0">
-              <a:lnSpc>
-                <a:spcPct val="86000"/>
-              </a:lnSpc>
-              <a:spcBef>
-                <a:spcPct val="0"/>
-              </a:spcBef>
-              <a:spcAft>
-                <a:spcPct val="0"/>
-              </a:spcAft>
-              <a:buClr>
-                <a:srgbClr val="000000"/>
-              </a:buClr>
-              <a:buSzPct val="100000"/>
-              <a:buFont typeface="Times New Roman" pitchFamily="18" charset="0"/>
-              <a:tabLst>
-                <a:tab pos="740134" algn="l"/>
-                <a:tab pos="1480269" algn="l"/>
-                <a:tab pos="2221965" algn="l"/>
-                <a:tab pos="2962100" algn="l"/>
-                <a:tab pos="3702234" algn="l"/>
-              </a:tabLst>
-              <a:defRPr sz="2400">
-                <a:solidFill>
-                  <a:schemeClr val="bg1"/>
-                </a:solidFill>
-                <a:latin typeface="Times New Roman" pitchFamily="18" charset="0"/>
-              </a:defRPr>
-            </a:lvl6pPr>
-            <a:lvl7pPr marL="2923062" indent="-224851" defTabSz="459071" eaLnBrk="0" fontAlgn="base" hangingPunct="0">
-              <a:lnSpc>
-                <a:spcPct val="86000"/>
-              </a:lnSpc>
-              <a:spcBef>
-                <a:spcPct val="0"/>
-              </a:spcBef>
-              <a:spcAft>
-                <a:spcPct val="0"/>
-              </a:spcAft>
-              <a:buClr>
-                <a:srgbClr val="000000"/>
-              </a:buClr>
-              <a:buSzPct val="100000"/>
-              <a:buFont typeface="Times New Roman" pitchFamily="18" charset="0"/>
-              <a:tabLst>
-                <a:tab pos="740134" algn="l"/>
-                <a:tab pos="1480269" algn="l"/>
-                <a:tab pos="2221965" algn="l"/>
-                <a:tab pos="2962100" algn="l"/>
-                <a:tab pos="3702234" algn="l"/>
-              </a:tabLst>
-              <a:defRPr sz="2400">
-                <a:solidFill>
-                  <a:schemeClr val="bg1"/>
-                </a:solidFill>
-                <a:latin typeface="Times New Roman" pitchFamily="18" charset="0"/>
-              </a:defRPr>
-            </a:lvl7pPr>
-            <a:lvl8pPr marL="3372764" indent="-224851" defTabSz="459071" eaLnBrk="0" fontAlgn="base" hangingPunct="0">
-              <a:lnSpc>
-                <a:spcPct val="86000"/>
-              </a:lnSpc>
-              <a:spcBef>
-                <a:spcPct val="0"/>
-              </a:spcBef>
-              <a:spcAft>
-                <a:spcPct val="0"/>
-              </a:spcAft>
-              <a:buClr>
-                <a:srgbClr val="000000"/>
-              </a:buClr>
-              <a:buSzPct val="100000"/>
-              <a:buFont typeface="Times New Roman" pitchFamily="18" charset="0"/>
-              <a:tabLst>
-                <a:tab pos="740134" algn="l"/>
-                <a:tab pos="1480269" algn="l"/>
-                <a:tab pos="2221965" algn="l"/>
-                <a:tab pos="2962100" algn="l"/>
-                <a:tab pos="3702234" algn="l"/>
-              </a:tabLst>
-              <a:defRPr sz="2400">
-                <a:solidFill>
-                  <a:schemeClr val="bg1"/>
-                </a:solidFill>
-                <a:latin typeface="Times New Roman" pitchFamily="18" charset="0"/>
-              </a:defRPr>
-            </a:lvl8pPr>
-            <a:lvl9pPr marL="3822466" indent="-224851" defTabSz="459071" eaLnBrk="0" fontAlgn="base" hangingPunct="0">
-              <a:lnSpc>
-                <a:spcPct val="86000"/>
-              </a:lnSpc>
-              <a:spcBef>
-                <a:spcPct val="0"/>
-              </a:spcBef>
-              <a:spcAft>
-                <a:spcPct val="0"/>
-              </a:spcAft>
-              <a:buClr>
-                <a:srgbClr val="000000"/>
-              </a:buClr>
-              <a:buSzPct val="100000"/>
-              <a:buFont typeface="Times New Roman" pitchFamily="18" charset="0"/>
-              <a:tabLst>
-                <a:tab pos="740134" algn="l"/>
-                <a:tab pos="1480269" algn="l"/>
-                <a:tab pos="2221965" algn="l"/>
-                <a:tab pos="2962100" algn="l"/>
-                <a:tab pos="3702234" algn="l"/>
-              </a:tabLst>
-              <a:defRPr sz="2400">
-                <a:solidFill>
-                  <a:schemeClr val="bg1"/>
-                </a:solidFill>
-                <a:latin typeface="Times New Roman" pitchFamily="18" charset="0"/>
-              </a:defRPr>
-            </a:lvl9pPr>
-          </a:lstStyle>
-          <a:p>
-            <a:fld id="{ABE18605-64EF-4DBE-827D-7427F84F31E6}" type="slidenum">
-              <a:rPr lang="en-GB" altLang="en-US" sz="1200">
-                <a:solidFill>
-                  <a:srgbClr val="000000"/>
-                </a:solidFill>
-                <a:latin typeface="Helvetica" pitchFamily="34" charset="0"/>
-              </a:rPr>
-              <a:pPr/>
-              <a:t>13</a:t>
-            </a:fld>
-            <a:endParaRPr lang="en-GB" altLang="en-US" sz="1200">
-              <a:solidFill>
-                <a:srgbClr val="000000"/>
-              </a:solidFill>
-              <a:latin typeface="Helvetica" pitchFamily="34" charset="0"/>
-            </a:endParaRPr>
-          </a:p>
-        </p:txBody>
-      </p:sp>
-    </p:spTree>
-  </p:cSld>
-  <p:clrMapOvr>
-    <a:masterClrMapping/>
-  </p:clrMapOvr>
-</p:notes>
-</file>
-
-<file path=ppt/notesSlides/notesSlide13.xml><?xml version="1.0" encoding="utf-8"?>
-<p:notes xmlns:a="http://schemas.openxmlformats.org/drawingml/2006/main" xmlns:r="http://schemas.openxmlformats.org/officeDocument/2006/relationships" xmlns:p="http://schemas.openxmlformats.org/presentationml/2006/main">
-  <p:cSld>
-    <p:spTree>
-      <p:nvGrpSpPr>
-        <p:cNvPr id="1" name=""/>
-        <p:cNvGrpSpPr/>
-        <p:nvPr/>
-      </p:nvGrpSpPr>
-      <p:grpSpPr>
-        <a:xfrm>
-          <a:off x="0" y="0"/>
-          <a:ext cx="0" cy="0"/>
-          <a:chOff x="0" y="0"/>
-          <a:chExt cx="0" cy="0"/>
-        </a:xfrm>
-      </p:grpSpPr>
-      <p:sp>
-        <p:nvSpPr>
           <p:cNvPr id="2" name="Slide Image Placeholder 1"/>
           <p:cNvSpPr>
             <a:spLocks noGrp="1" noRot="1" noChangeAspect="1"/>
@@ -1541,39 +1148,7 @@
           <a:bodyPr/>
           <a:lstStyle/>
           <a:p>
-            <a:r>
-              <a:rPr lang="en-GB" dirty="0" smtClean="0"/>
-              <a:t>Software</a:t>
-            </a:r>
-            <a:r>
-              <a:rPr lang="en-GB" baseline="0" dirty="0" smtClean="0"/>
-              <a:t> Carpentry workshops, online lectures and book.</a:t>
-            </a:r>
-          </a:p>
-          <a:p>
-            <a:r>
-              <a:rPr lang="en-GB" baseline="0" dirty="0" smtClean="0"/>
-              <a:t>SSI, led from EPCC, are coordinators of SWC in the UK.</a:t>
-            </a:r>
-          </a:p>
-          <a:p>
-            <a:r>
-              <a:rPr lang="en-GB" baseline="0" dirty="0" smtClean="0"/>
-              <a:t>RCUK are promoting SWC to CDTs and DTCs.</a:t>
-            </a:r>
-          </a:p>
-          <a:p>
-            <a:r>
-              <a:rPr lang="en-GB" baseline="0" dirty="0" err="1" smtClean="0"/>
-              <a:t>DiRAC</a:t>
-            </a:r>
-            <a:r>
-              <a:rPr lang="en-GB" baseline="0" dirty="0" smtClean="0"/>
-              <a:t> supercomputing consortium are also exploiting SWC.</a:t>
-            </a:r>
-          </a:p>
-          <a:p>
-            <a:endParaRPr lang="en-GB" baseline="0" dirty="0" smtClean="0"/>
+            <a:endParaRPr lang="en-GB" dirty="0"/>
           </a:p>
         </p:txBody>
       </p:sp>
@@ -1595,92 +1170,7 @@
             <a:fld id="{BC4308F6-7504-405D-B1BC-57B75797A76A}" type="slidenum">
               <a:rPr lang="en-GB" smtClean="0"/>
               <a:pPr/>
-              <a:t>14</a:t>
-            </a:fld>
-            <a:endParaRPr lang="en-GB"/>
-          </a:p>
-        </p:txBody>
-      </p:sp>
-    </p:spTree>
-    <p:extLst>
-      <p:ext uri="{BB962C8B-B14F-4D97-AF65-F5344CB8AC3E}">
-        <p14:creationId xmlns:p14="http://schemas.microsoft.com/office/powerpoint/2010/main" val="102232912"/>
-      </p:ext>
-    </p:extLst>
-  </p:cSld>
-  <p:clrMapOvr>
-    <a:masterClrMapping/>
-  </p:clrMapOvr>
-</p:notes>
-</file>
-
-<file path=ppt/notesSlides/notesSlide14.xml><?xml version="1.0" encoding="utf-8"?>
-<p:notes xmlns:a="http://schemas.openxmlformats.org/drawingml/2006/main" xmlns:r="http://schemas.openxmlformats.org/officeDocument/2006/relationships" xmlns:p="http://schemas.openxmlformats.org/presentationml/2006/main">
-  <p:cSld>
-    <p:spTree>
-      <p:nvGrpSpPr>
-        <p:cNvPr id="1" name=""/>
-        <p:cNvGrpSpPr/>
-        <p:nvPr/>
-      </p:nvGrpSpPr>
-      <p:grpSpPr>
-        <a:xfrm>
-          <a:off x="0" y="0"/>
-          <a:ext cx="0" cy="0"/>
-          <a:chOff x="0" y="0"/>
-          <a:chExt cx="0" cy="0"/>
-        </a:xfrm>
-      </p:grpSpPr>
-      <p:sp>
-        <p:nvSpPr>
-          <p:cNvPr id="2" name="Slide Image Placeholder 1"/>
-          <p:cNvSpPr>
-            <a:spLocks noGrp="1" noRot="1" noChangeAspect="1"/>
-          </p:cNvSpPr>
-          <p:nvPr>
-            <p:ph type="sldImg"/>
-          </p:nvPr>
-        </p:nvSpPr>
-        <p:spPr/>
-      </p:sp>
-      <p:sp>
-        <p:nvSpPr>
-          <p:cNvPr id="3" name="Notes Placeholder 2"/>
-          <p:cNvSpPr>
-            <a:spLocks noGrp="1"/>
-          </p:cNvSpPr>
-          <p:nvPr>
-            <p:ph type="body" idx="1"/>
-          </p:nvPr>
-        </p:nvSpPr>
-        <p:spPr/>
-        <p:txBody>
-          <a:bodyPr/>
-          <a:lstStyle/>
-          <a:p>
-            <a:endParaRPr lang="en-GB" dirty="0"/>
-          </a:p>
-        </p:txBody>
-      </p:sp>
-      <p:sp>
-        <p:nvSpPr>
-          <p:cNvPr id="4" name="Slide Number Placeholder 3"/>
-          <p:cNvSpPr>
-            <a:spLocks noGrp="1"/>
-          </p:cNvSpPr>
-          <p:nvPr>
-            <p:ph type="sldNum" sz="quarter" idx="10"/>
-          </p:nvPr>
-        </p:nvSpPr>
-        <p:spPr/>
-        <p:txBody>
-          <a:bodyPr/>
-          <a:lstStyle/>
-          <a:p>
-            <a:fld id="{BC4308F6-7504-405D-B1BC-57B75797A76A}" type="slidenum">
-              <a:rPr lang="en-GB" smtClean="0"/>
-              <a:pPr/>
-              <a:t>16</a:t>
+              <a:t>15</a:t>
             </a:fld>
             <a:endParaRPr lang="en-GB"/>
           </a:p>
@@ -1836,6 +1326,10 @@
             </a:r>
           </a:p>
           <a:p>
+            <a:pPr marL="171450" indent="-171450">
+              <a:buFont typeface="Arial" panose="020B0604020202020204" pitchFamily="34" charset="0"/>
+              <a:buChar char="•"/>
+            </a:pPr>
             <a:r>
               <a:rPr lang="en-GB" dirty="0" smtClean="0"/>
               <a:t>Barcelona Supercomputing </a:t>
@@ -1850,6 +1344,10 @@
             </a:r>
           </a:p>
           <a:p>
+            <a:pPr marL="171450" indent="-171450">
+              <a:buFont typeface="Arial" panose="020B0604020202020204" pitchFamily="34" charset="0"/>
+              <a:buChar char="•"/>
+            </a:pPr>
             <a:r>
               <a:rPr lang="en-GB" dirty="0" smtClean="0"/>
               <a:t>CINECA – </a:t>
@@ -1872,6 +1370,10 @@
             </a:r>
           </a:p>
           <a:p>
+            <a:pPr marL="171450" indent="-171450">
+              <a:buFont typeface="Arial" panose="020B0604020202020204" pitchFamily="34" charset="0"/>
+              <a:buChar char="•"/>
+            </a:pPr>
             <a:r>
               <a:rPr lang="en-GB" dirty="0" smtClean="0"/>
               <a:t>CSC – IT </a:t>
@@ -1886,18 +1388,30 @@
             </a:r>
           </a:p>
           <a:p>
+            <a:pPr marL="171450" indent="-171450">
+              <a:buFont typeface="Arial" panose="020B0604020202020204" pitchFamily="34" charset="0"/>
+              <a:buChar char="•"/>
+            </a:pPr>
             <a:r>
               <a:rPr lang="en-GB" dirty="0" smtClean="0"/>
               <a:t>EPCC at the University of Edinburgh (UK).</a:t>
             </a:r>
           </a:p>
           <a:p>
+            <a:pPr marL="171450" indent="-171450">
+              <a:buFont typeface="Arial" panose="020B0604020202020204" pitchFamily="34" charset="0"/>
+              <a:buChar char="•"/>
+            </a:pPr>
             <a:r>
               <a:rPr lang="en-GB" dirty="0" smtClean="0"/>
               <a:t>Gauss Centre for Supercomputing (Germany).</a:t>
             </a:r>
           </a:p>
           <a:p>
+            <a:pPr marL="171450" indent="-171450">
+              <a:buFont typeface="Arial" panose="020B0604020202020204" pitchFamily="34" charset="0"/>
+              <a:buChar char="•"/>
+            </a:pPr>
             <a:r>
               <a:rPr lang="en-GB" dirty="0" err="1" smtClean="0"/>
               <a:t>Maison</a:t>
@@ -1926,19 +1440,7 @@
               <a:rPr lang="en-GB" altLang="en-US" dirty="0" smtClean="0">
                 <a:ea typeface="Arial" pitchFamily="34" charset="0"/>
               </a:rPr>
-              <a:t>linked in from the registration page</a:t>
-            </a:r>
-            <a:r>
-              <a:rPr lang="en-GB" altLang="en-US" baseline="0" dirty="0" smtClean="0">
-                <a:ea typeface="Arial" pitchFamily="34" charset="0"/>
-              </a:rPr>
-              <a:t> - o</a:t>
-            </a:r>
-            <a:r>
-              <a:rPr lang="en-GB" altLang="en-US" dirty="0" smtClean="0">
-                <a:ea typeface="Arial" pitchFamily="34" charset="0"/>
-              </a:rPr>
-              <a:t>pens on last day of course.</a:t>
+              <a:t>linked in from the registration page.</a:t>
             </a:r>
           </a:p>
           <a:p>
@@ -2122,14 +1624,6 @@
             <a:pPr algn="l"/>
             <a:endParaRPr lang="en-GB" dirty="0" smtClean="0"/>
           </a:p>
-          <a:p>
-            <a:pPr algn="l"/>
-            <a:endParaRPr lang="en-GB" dirty="0" smtClean="0"/>
-          </a:p>
-          <a:p>
-            <a:pPr algn="l"/>
-            <a:endParaRPr lang="en-GB" dirty="0" smtClean="0"/>
-          </a:p>
         </p:txBody>
       </p:sp>
       <p:sp>
@@ -2306,6 +1800,18 @@
           <a:lstStyle/>
           <a:p>
             <a:pPr algn="l"/>
+            <a:r>
+              <a:rPr lang="en-GB" dirty="0" smtClean="0"/>
+              <a:t>Computational Chemistry CASTEP code</a:t>
+            </a:r>
+            <a:r>
+              <a:rPr lang="en-GB" baseline="0" dirty="0" smtClean="0"/>
+              <a:t> originates from 1990s.</a:t>
+            </a:r>
+            <a:endParaRPr lang="en-GB" dirty="0" smtClean="0"/>
+          </a:p>
+          <a:p>
+            <a:pPr algn="l"/>
             <a:endParaRPr lang="en-GB" dirty="0" smtClean="0"/>
           </a:p>
         </p:txBody>
@@ -2391,6 +1897,127 @@
           <a:bodyPr/>
           <a:lstStyle/>
           <a:p>
+            <a:r>
+              <a:rPr lang="en-GB" altLang="en-US" dirty="0" smtClean="0">
+                <a:latin typeface="Times New Roman" pitchFamily="18" charset="0"/>
+              </a:rPr>
+              <a:t>Don't,</a:t>
+            </a:r>
+            <a:r>
+              <a:rPr lang="en-GB" altLang="en-US" baseline="0" dirty="0" smtClean="0">
+                <a:latin typeface="Times New Roman" pitchFamily="18" charset="0"/>
+              </a:rPr>
+              <a:t> </a:t>
+            </a:r>
+            <a:r>
+              <a:rPr lang="en-GB" altLang="en-US" dirty="0" smtClean="0">
+                <a:latin typeface="Times New Roman" pitchFamily="18" charset="0"/>
+              </a:rPr>
+              <a:t>negative effect on readability and maintainability, hardware is cheap, developer time is expensive.</a:t>
+            </a:r>
+          </a:p>
+          <a:p>
+            <a:r>
+              <a:rPr lang="en-GB" altLang="en-US" dirty="0" smtClean="0">
+                <a:latin typeface="Times New Roman" pitchFamily="18" charset="0"/>
+              </a:rPr>
+              <a:t>Don't</a:t>
+            </a:r>
+            <a:r>
+              <a:rPr lang="en-GB" altLang="en-US" baseline="0" dirty="0" smtClean="0">
+                <a:latin typeface="Times New Roman" pitchFamily="18" charset="0"/>
+              </a:rPr>
+              <a:t> </a:t>
+            </a:r>
+            <a:r>
+              <a:rPr lang="en-GB" altLang="en-US" dirty="0" smtClean="0">
+                <a:latin typeface="Times New Roman" pitchFamily="18" charset="0"/>
+              </a:rPr>
+              <a:t>yet,</a:t>
+            </a:r>
+            <a:r>
+              <a:rPr lang="en-GB" altLang="en-US" baseline="0" dirty="0" smtClean="0">
+                <a:latin typeface="Times New Roman" pitchFamily="18" charset="0"/>
+              </a:rPr>
+              <a:t> </a:t>
+            </a:r>
+            <a:r>
+              <a:rPr lang="en-GB" altLang="en-US" dirty="0" smtClean="0">
+                <a:latin typeface="Times New Roman" pitchFamily="18" charset="0"/>
+              </a:rPr>
+              <a:t>designing =/= optimizing. Don't optimize until the design is correct.</a:t>
+            </a:r>
+          </a:p>
+          <a:p>
+            <a:r>
+              <a:rPr lang="en-GB" altLang="en-US" dirty="0" smtClean="0">
+                <a:latin typeface="Times New Roman" pitchFamily="18" charset="0"/>
+              </a:rPr>
+              <a:t>Profile first,</a:t>
+            </a:r>
+            <a:r>
+              <a:rPr lang="en-GB" altLang="en-US" baseline="0" dirty="0" smtClean="0">
+                <a:latin typeface="Times New Roman" pitchFamily="18" charset="0"/>
+              </a:rPr>
+              <a:t> </a:t>
+            </a:r>
+            <a:r>
+              <a:rPr lang="en-GB" altLang="en-US" dirty="0" smtClean="0">
+                <a:latin typeface="Times New Roman" pitchFamily="18" charset="0"/>
+              </a:rPr>
+              <a:t>an educated guess is still a guess.</a:t>
+            </a:r>
+          </a:p>
+          <a:p>
+            <a:pPr defTabSz="899404" eaLnBrk="0" fontAlgn="base" hangingPunct="0">
+              <a:spcBef>
+                <a:spcPct val="30000"/>
+              </a:spcBef>
+              <a:spcAft>
+                <a:spcPct val="0"/>
+              </a:spcAft>
+              <a:defRPr/>
+            </a:pPr>
+            <a:r>
+              <a:rPr lang="en-GB" dirty="0" smtClean="0"/>
+              <a:t>Dissuade novice programmers from cluttering up their programs with vain attempts at writing optimal code.</a:t>
+            </a:r>
+          </a:p>
+          <a:p>
+            <a:pPr defTabSz="899404" eaLnBrk="0" fontAlgn="base" hangingPunct="0">
+              <a:spcBef>
+                <a:spcPct val="30000"/>
+              </a:spcBef>
+              <a:spcAft>
+                <a:spcPct val="0"/>
+              </a:spcAft>
+              <a:defRPr/>
+            </a:pPr>
+            <a:r>
+              <a:rPr lang="en-GB" altLang="en-US" dirty="0" smtClean="0"/>
+              <a:t>Software developers have the skills,</a:t>
+            </a:r>
+            <a:r>
+              <a:rPr lang="en-GB" altLang="en-US" baseline="0" dirty="0" smtClean="0"/>
+              <a:t> tools and techniques to help us.</a:t>
+            </a:r>
+          </a:p>
+          <a:p>
+            <a:pPr defTabSz="899404" eaLnBrk="0" fontAlgn="base" hangingPunct="0">
+              <a:spcBef>
+                <a:spcPct val="30000"/>
+              </a:spcBef>
+              <a:spcAft>
+                <a:spcPct val="0"/>
+              </a:spcAft>
+              <a:defRPr/>
+            </a:pPr>
+            <a:r>
+              <a:rPr lang="en-GB" dirty="0" smtClean="0"/>
+              <a:t>Many compilers are more efficient than people.</a:t>
+            </a:r>
+          </a:p>
+          <a:p>
             <a:pPr marL="0" marR="0" indent="0" algn="l" defTabSz="457200" rtl="0" eaLnBrk="1" fontAlgn="auto" latinLnBrk="0" hangingPunct="1">
               <a:lnSpc>
                 <a:spcPct val="100000"/>
@@ -2418,77 +2045,7 @@
               <a:rPr lang="en-GB" altLang="en-US" dirty="0" smtClean="0">
                 <a:latin typeface="Times New Roman" pitchFamily="18" charset="0"/>
               </a:rPr>
-              <a:t>Don't</a:t>
-            </a:r>
-            <a:r>
-              <a:rPr lang="en-GB" altLang="en-US" dirty="0" smtClean="0">
-                <a:latin typeface="Times New Roman" pitchFamily="18" charset="0"/>
-              </a:rPr>
-              <a:t>,</a:t>
-            </a:r>
-            <a:r>
-              <a:rPr lang="en-GB" altLang="en-US" baseline="0" dirty="0" smtClean="0">
-                <a:latin typeface="Times New Roman" pitchFamily="18" charset="0"/>
-              </a:rPr>
-              <a:t> </a:t>
-            </a:r>
-            <a:r>
-              <a:rPr lang="en-GB" altLang="en-US" dirty="0" smtClean="0">
-                <a:latin typeface="Times New Roman" pitchFamily="18" charset="0"/>
-              </a:rPr>
-              <a:t>negative effect on readability and maintainability, hardware is cheap, developer time is expensive.</a:t>
-            </a:r>
-          </a:p>
-          <a:p>
-            <a:r>
-              <a:rPr lang="en-GB" altLang="en-US" dirty="0" smtClean="0">
-                <a:latin typeface="Times New Roman" pitchFamily="18" charset="0"/>
-              </a:rPr>
-              <a:t>Don't</a:t>
-            </a:r>
-            <a:r>
-              <a:rPr lang="en-GB" altLang="en-US" baseline="0" dirty="0" smtClean="0">
-                <a:latin typeface="Times New Roman" pitchFamily="18" charset="0"/>
-              </a:rPr>
-              <a:t> </a:t>
-            </a:r>
-            <a:r>
-              <a:rPr lang="en-GB" altLang="en-US" dirty="0" smtClean="0">
-                <a:latin typeface="Times New Roman" pitchFamily="18" charset="0"/>
-              </a:rPr>
-              <a:t>yet,</a:t>
-            </a:r>
-            <a:r>
-              <a:rPr lang="en-GB" altLang="en-US" baseline="0" dirty="0" smtClean="0">
-                <a:latin typeface="Times New Roman" pitchFamily="18" charset="0"/>
-              </a:rPr>
-              <a:t> </a:t>
-            </a:r>
-            <a:r>
-              <a:rPr lang="en-GB" altLang="en-US" dirty="0" smtClean="0">
-                <a:latin typeface="Times New Roman" pitchFamily="18" charset="0"/>
-              </a:rPr>
-              <a:t>designing =/= optimizing. Don't optimize until the design is correct.</a:t>
-            </a:r>
-          </a:p>
-          <a:p>
-            <a:r>
-              <a:rPr lang="en-GB" altLang="en-US" dirty="0" smtClean="0">
-                <a:latin typeface="Times New Roman" pitchFamily="18" charset="0"/>
-              </a:rPr>
-              <a:t>Profile first,</a:t>
-            </a:r>
-            <a:r>
-              <a:rPr lang="en-GB" altLang="en-US" baseline="0" dirty="0" smtClean="0">
-                <a:latin typeface="Times New Roman" pitchFamily="18" charset="0"/>
-              </a:rPr>
-              <a:t> </a:t>
-            </a:r>
-            <a:r>
-              <a:rPr lang="en-GB" altLang="en-US" dirty="0" smtClean="0">
-                <a:latin typeface="Times New Roman" pitchFamily="18" charset="0"/>
-              </a:rPr>
-              <a:t>an educated guess is still a guess.</a:t>
+              <a:t>http://c2.com/cgi/wiki?RulesOfOptimization</a:t>
             </a:r>
           </a:p>
           <a:p>
@@ -2502,67 +2059,10 @@
               <a:defRPr/>
             </a:pPr>
             <a:r>
-              <a:rPr lang="en-GB" dirty="0" smtClean="0"/>
-              <a:t>Dissuade novice programmers from cluttering up their programs with vain attempts at writing optimal code.</a:t>
-            </a:r>
-          </a:p>
-          <a:p>
-            <a:r>
-              <a:rPr lang="en-GB" altLang="en-US" dirty="0" smtClean="0">
-                <a:latin typeface="Times New Roman" pitchFamily="18" charset="0"/>
-              </a:rPr>
-              <a:t>http://c2.com/cgi/wiki?RulesOfOptimization</a:t>
-            </a:r>
-          </a:p>
-          <a:p>
-            <a:pPr defTabSz="899404" eaLnBrk="0" fontAlgn="base" hangingPunct="0">
-              <a:spcBef>
-                <a:spcPct val="30000"/>
-              </a:spcBef>
-              <a:spcAft>
-                <a:spcPct val="0"/>
-              </a:spcAft>
-              <a:defRPr/>
-            </a:pPr>
-            <a:r>
               <a:rPr lang="en-GB" altLang="en-US" dirty="0" smtClean="0">
                 <a:latin typeface="Times New Roman" pitchFamily="18" charset="0"/>
               </a:rPr>
               <a:t>http://blogs.msdn.com/b/audiofool/archive/2007/06/14/the-rules-of-code-optimization.aspx?Redirected=true</a:t>
-            </a:r>
-          </a:p>
-          <a:p>
-            <a:pPr defTabSz="899404" eaLnBrk="0" fontAlgn="base" hangingPunct="0">
-              <a:spcBef>
-                <a:spcPct val="30000"/>
-              </a:spcBef>
-              <a:spcAft>
-                <a:spcPct val="0"/>
-              </a:spcAft>
-              <a:defRPr/>
-            </a:pPr>
-            <a:r>
-              <a:rPr lang="en-GB" altLang="en-US" dirty="0" smtClean="0"/>
-              <a:t>Software developers have the skills,</a:t>
-            </a:r>
-            <a:r>
-              <a:rPr lang="en-GB" altLang="en-US" baseline="0" dirty="0" smtClean="0"/>
-              <a:t> tools and techniques to help us.</a:t>
-            </a:r>
-          </a:p>
-          <a:p>
-            <a:pPr defTabSz="899404" eaLnBrk="0" fontAlgn="base" hangingPunct="0">
-              <a:spcBef>
-                <a:spcPct val="30000"/>
-              </a:spcBef>
-              <a:spcAft>
-                <a:spcPct val="0"/>
-              </a:spcAft>
-              <a:defRPr/>
-            </a:pPr>
-            <a:r>
-              <a:rPr lang="en-GB" dirty="0" smtClean="0"/>
-              <a:t>Many compilers are more efficient than people.</a:t>
             </a:r>
           </a:p>
           <a:p>
@@ -3076,7 +2576,7 @@
           <a:p>
             <a:fld id="{3E8CEB70-C80E-1048-86BD-76ABBAA6B3F4}" type="datetimeFigureOut">
               <a:rPr lang="en-US" smtClean="0"/>
-              <a:t>11/13/2014</a:t>
+              <a:t>11/27/2014</a:t>
             </a:fld>
             <a:endParaRPr lang="en-US"/>
           </a:p>
@@ -3246,7 +2746,7 @@
           <a:p>
             <a:fld id="{3E8CEB70-C80E-1048-86BD-76ABBAA6B3F4}" type="datetimeFigureOut">
               <a:rPr lang="en-US" smtClean="0"/>
-              <a:t>11/13/2014</a:t>
+              <a:t>11/27/2014</a:t>
             </a:fld>
             <a:endParaRPr lang="en-US"/>
           </a:p>
@@ -3426,7 +2926,7 @@
           <a:p>
             <a:fld id="{3E8CEB70-C80E-1048-86BD-76ABBAA6B3F4}" type="datetimeFigureOut">
               <a:rPr lang="en-US" smtClean="0"/>
-              <a:t>11/13/2014</a:t>
+              <a:t>11/27/2014</a:t>
             </a:fld>
             <a:endParaRPr lang="en-US"/>
           </a:p>
@@ -4928,7 +4428,7 @@
           <a:p>
             <a:fld id="{3E8CEB70-C80E-1048-86BD-76ABBAA6B3F4}" type="datetimeFigureOut">
               <a:rPr lang="en-US" smtClean="0"/>
-              <a:t>11/13/2014</a:t>
+              <a:t>11/27/2014</a:t>
             </a:fld>
             <a:endParaRPr lang="en-US"/>
           </a:p>
@@ -6807,7 +6307,7 @@
           <a:p>
             <a:fld id="{3E8CEB70-C80E-1048-86BD-76ABBAA6B3F4}" type="datetimeFigureOut">
               <a:rPr lang="en-US" smtClean="0"/>
-              <a:t>11/13/2014</a:t>
+              <a:t>11/27/2014</a:t>
             </a:fld>
             <a:endParaRPr lang="en-US"/>
           </a:p>
@@ -7095,7 +6595,7 @@
           <a:p>
             <a:fld id="{3E8CEB70-C80E-1048-86BD-76ABBAA6B3F4}" type="datetimeFigureOut">
               <a:rPr lang="en-US" smtClean="0"/>
-              <a:t>11/13/2014</a:t>
+              <a:t>11/27/2014</a:t>
             </a:fld>
             <a:endParaRPr lang="en-US"/>
           </a:p>
@@ -7517,7 +7017,7 @@
           <a:p>
             <a:fld id="{3E8CEB70-C80E-1048-86BD-76ABBAA6B3F4}" type="datetimeFigureOut">
               <a:rPr lang="en-US" smtClean="0"/>
-              <a:t>11/13/2014</a:t>
+              <a:t>11/27/2014</a:t>
             </a:fld>
             <a:endParaRPr lang="en-US"/>
           </a:p>
@@ -7635,7 +7135,7 @@
           <a:p>
             <a:fld id="{3E8CEB70-C80E-1048-86BD-76ABBAA6B3F4}" type="datetimeFigureOut">
               <a:rPr lang="en-US" smtClean="0"/>
-              <a:t>11/13/2014</a:t>
+              <a:t>11/27/2014</a:t>
             </a:fld>
             <a:endParaRPr lang="en-US"/>
           </a:p>
@@ -7730,7 +7230,7 @@
           <a:p>
             <a:fld id="{3E8CEB70-C80E-1048-86BD-76ABBAA6B3F4}" type="datetimeFigureOut">
               <a:rPr lang="en-US" smtClean="0"/>
-              <a:t>11/13/2014</a:t>
+              <a:t>11/27/2014</a:t>
             </a:fld>
             <a:endParaRPr lang="en-US"/>
           </a:p>
@@ -8007,7 +7507,7 @@
           <a:p>
             <a:fld id="{3E8CEB70-C80E-1048-86BD-76ABBAA6B3F4}" type="datetimeFigureOut">
               <a:rPr lang="en-US" smtClean="0"/>
-              <a:t>11/13/2014</a:t>
+              <a:t>11/27/2014</a:t>
             </a:fld>
             <a:endParaRPr lang="en-US"/>
           </a:p>
@@ -8260,7 +7760,7 @@
           <a:p>
             <a:fld id="{3E8CEB70-C80E-1048-86BD-76ABBAA6B3F4}" type="datetimeFigureOut">
               <a:rPr lang="en-US" smtClean="0"/>
-              <a:t>11/13/2014</a:t>
+              <a:t>11/27/2014</a:t>
             </a:fld>
             <a:endParaRPr lang="en-US"/>
           </a:p>
@@ -8473,7 +7973,7 @@
           <a:p>
             <a:fld id="{3E8CEB70-C80E-1048-86BD-76ABBAA6B3F4}" type="datetimeFigureOut">
               <a:rPr lang="en-US" smtClean="0"/>
-              <a:t>11/13/2014</a:t>
+              <a:t>11/27/2014</a:t>
             </a:fld>
             <a:endParaRPr lang="en-US"/>
           </a:p>
@@ -12366,8 +11866,8 @@
         </p:blipFill>
         <p:spPr bwMode="auto">
           <a:xfrm>
-            <a:off x="2999371" y="4221088"/>
-            <a:ext cx="3174628" cy="2410940"/>
+            <a:off x="5650752" y="2376750"/>
+            <a:ext cx="3352167" cy="2545770"/>
           </a:xfrm>
           <a:prstGeom prst="rect">
             <a:avLst/>
@@ -12407,112 +11907,9 @@
           </a:extLst>
         </p:spPr>
       </p:pic>
-      <p:sp>
-        <p:nvSpPr>
-          <p:cNvPr id="6" name="Rectangle 5"/>
-          <p:cNvSpPr/>
-          <p:nvPr/>
-        </p:nvSpPr>
-        <p:spPr>
-          <a:xfrm>
-            <a:off x="3923928" y="1412776"/>
-            <a:ext cx="4824536" cy="2585323"/>
-          </a:xfrm>
-          <a:prstGeom prst="rect">
-            <a:avLst/>
-          </a:prstGeom>
-        </p:spPr>
-        <p:txBody>
-          <a:bodyPr wrap="square">
-            <a:spAutoFit/>
-          </a:bodyPr>
-          <a:lstStyle/>
-          <a:p>
-            <a:pPr>
-              <a:defRPr/>
-            </a:pPr>
-            <a:r>
-              <a:rPr lang="en-GB" sz="1800" dirty="0">
-                <a:latin typeface="+mn-lt"/>
-              </a:rPr>
-              <a:t>We wish to retract our research article … and both of our Reports... </a:t>
-            </a:r>
-          </a:p>
-          <a:p>
-            <a:pPr>
-              <a:defRPr/>
-            </a:pPr>
-            <a:r>
-              <a:rPr lang="en-GB" sz="1800" dirty="0">
-                <a:latin typeface="+mn-lt"/>
-              </a:rPr>
-              <a:t>An </a:t>
-            </a:r>
-            <a:r>
-              <a:rPr lang="en-GB" sz="1800" b="1" dirty="0">
-                <a:latin typeface="+mn-lt"/>
-              </a:rPr>
-              <a:t>in-house data reduction program </a:t>
-            </a:r>
-            <a:r>
-              <a:rPr lang="en-GB" sz="1800" dirty="0">
-                <a:latin typeface="+mn-lt"/>
-              </a:rPr>
-              <a:t>introduced a </a:t>
-            </a:r>
-            <a:r>
-              <a:rPr lang="en-GB" sz="1800" b="1" dirty="0">
-                <a:latin typeface="+mn-lt"/>
-              </a:rPr>
-              <a:t>change in sign </a:t>
-            </a:r>
-            <a:r>
-              <a:rPr lang="en-GB" sz="1800" dirty="0">
-                <a:latin typeface="+mn-lt"/>
-              </a:rPr>
-              <a:t>for anomalous differences… </a:t>
-            </a:r>
-          </a:p>
-          <a:p>
-            <a:pPr>
-              <a:defRPr/>
-            </a:pPr>
-            <a:r>
-              <a:rPr lang="en-GB" sz="1800" dirty="0">
-                <a:latin typeface="+mn-lt"/>
-              </a:rPr>
-              <a:t>Unfortunately, the use of the </a:t>
-            </a:r>
-            <a:r>
-              <a:rPr lang="en-GB" sz="1800" dirty="0" err="1">
-                <a:latin typeface="+mn-lt"/>
-              </a:rPr>
-              <a:t>multicopy</a:t>
-            </a:r>
-            <a:r>
-              <a:rPr lang="en-GB" sz="1800" dirty="0">
-                <a:latin typeface="+mn-lt"/>
-              </a:rPr>
-              <a:t> refinement procedure still allowed us to obtain reasonable refinement values for the </a:t>
-            </a:r>
-            <a:r>
-              <a:rPr lang="en-GB" sz="1800" b="1" dirty="0">
-                <a:latin typeface="+mn-lt"/>
-              </a:rPr>
-              <a:t>wrong</a:t>
-            </a:r>
-            <a:r>
-              <a:rPr lang="en-GB" sz="1800" dirty="0">
-                <a:latin typeface="+mn-lt"/>
-              </a:rPr>
-              <a:t> structures. </a:t>
-            </a:r>
-          </a:p>
-        </p:txBody>
-      </p:sp>
       <p:pic>
         <p:nvPicPr>
-          <p:cNvPr id="8" name="Picture 7" descr="Cover image expansion"/>
+          <p:cNvPr id="9" name="Picture 2" descr="https://www.sciencemag.org/content/314/5807/1856/F1.medium.gif"/>
           <p:cNvPicPr>
             <a:picLocks noChangeAspect="1" noChangeArrowheads="1"/>
           </p:cNvPicPr>
@@ -12533,66 +11930,13 @@
         </p:blipFill>
         <p:spPr bwMode="auto">
           <a:xfrm>
-            <a:off x="323528" y="1572269"/>
-            <a:ext cx="2517551" cy="3388246"/>
+            <a:off x="470620" y="1252677"/>
+            <a:ext cx="3408313" cy="3408314"/>
           </a:xfrm>
           <a:prstGeom prst="rect">
             <a:avLst/>
           </a:prstGeom>
           <a:noFill/>
-          <a:ln>
-            <a:noFill/>
-          </a:ln>
-          <a:extLst>
-            <a:ext uri="{909E8E84-426E-40DD-AFC4-6F175D3DCCD1}">
-              <a14:hiddenFill xmlns:a14="http://schemas.microsoft.com/office/drawing/2010/main">
-                <a:solidFill>
-                  <a:srgbClr val="FFFFFF"/>
-                </a:solidFill>
-              </a14:hiddenFill>
-            </a:ext>
-            <a:ext uri="{91240B29-F687-4F45-9708-019B960494DF}">
-              <a14:hiddenLine xmlns:a14="http://schemas.microsoft.com/office/drawing/2010/main" w="9525">
-                <a:solidFill>
-                  <a:srgbClr val="000000"/>
-                </a:solidFill>
-                <a:miter lim="800000"/>
-                <a:headEnd/>
-                <a:tailEnd/>
-              </a14:hiddenLine>
-            </a:ext>
-          </a:extLst>
-        </p:spPr>
-      </p:pic>
-      <p:sp>
-        <p:nvSpPr>
-          <p:cNvPr id="7" name="Rounded Rectangular Callout 13"/>
-          <p:cNvSpPr>
-            <a:spLocks noChangeArrowheads="1"/>
-          </p:cNvSpPr>
-          <p:nvPr/>
-        </p:nvSpPr>
-        <p:spPr bwMode="auto">
-          <a:xfrm>
-            <a:off x="3707904" y="1427534"/>
-            <a:ext cx="5202312" cy="2649538"/>
-          </a:xfrm>
-          <a:prstGeom prst="wedgeRoundRectCallout">
-            <a:avLst>
-              <a:gd name="adj1" fmla="val -55301"/>
-              <a:gd name="adj2" fmla="val 17778"/>
-              <a:gd name="adj3" fmla="val 16667"/>
-            </a:avLst>
-          </a:prstGeom>
-          <a:noFill/>
-          <a:ln w="9525" algn="ctr">
-            <a:solidFill>
-              <a:schemeClr val="tx1"/>
-            </a:solidFill>
-            <a:round/>
-            <a:headEnd/>
-            <a:tailEnd/>
-          </a:ln>
           <a:extLst>
             <a:ext uri="{909E8E84-426E-40DD-AFC4-6F175D3DCCD1}">
               <a14:hiddenFill xmlns:a14="http://schemas.microsoft.com/office/drawing/2010/main">
@@ -12603,18 +11947,187 @@
             </a:ext>
           </a:extLst>
         </p:spPr>
+      </p:pic>
+      <p:sp>
+        <p:nvSpPr>
+          <p:cNvPr id="10" name="Rectangle 9"/>
+          <p:cNvSpPr/>
+          <p:nvPr/>
+        </p:nvSpPr>
+        <p:spPr>
+          <a:xfrm>
+            <a:off x="96544" y="4587561"/>
+            <a:ext cx="5664176" cy="738664"/>
+          </a:xfrm>
+          <a:prstGeom prst="rect">
+            <a:avLst/>
+          </a:prstGeom>
+        </p:spPr>
         <p:txBody>
-          <a:bodyPr/>
+          <a:bodyPr wrap="square">
+            <a:spAutoFit/>
+          </a:bodyPr>
           <a:lstStyle/>
           <a:p>
-            <a:endParaRPr lang="en-US" altLang="en-US" sz="1800"/>
+            <a:r>
+              <a:rPr lang="en-GB" sz="1400" dirty="0" smtClean="0"/>
+              <a:t>The structures of </a:t>
+            </a:r>
+            <a:r>
+              <a:rPr lang="en-GB" sz="1400" dirty="0" err="1" smtClean="0"/>
+              <a:t>MsbA</a:t>
+            </a:r>
+            <a:r>
+              <a:rPr lang="en-GB" sz="1400" dirty="0" smtClean="0"/>
+              <a:t> (purple) and Sav1866 (green) overlap little (</a:t>
+            </a:r>
+            <a:r>
+              <a:rPr lang="en-GB" sz="1400" i="1" dirty="0" smtClean="0"/>
+              <a:t>left</a:t>
+            </a:r>
+            <a:r>
+              <a:rPr lang="en-GB" sz="1400" dirty="0" smtClean="0"/>
+              <a:t>) until </a:t>
+            </a:r>
+            <a:r>
+              <a:rPr lang="en-GB" sz="1400" dirty="0" err="1" smtClean="0"/>
+              <a:t>MsbA</a:t>
+            </a:r>
+            <a:r>
+              <a:rPr lang="en-GB" sz="1400" dirty="0" smtClean="0"/>
+              <a:t> is inverted (</a:t>
+            </a:r>
+            <a:r>
+              <a:rPr lang="en-GB" sz="1400" i="1" dirty="0" smtClean="0"/>
+              <a:t>right</a:t>
+            </a:r>
+            <a:r>
+              <a:rPr lang="en-GB" sz="1400" dirty="0" smtClean="0"/>
+              <a:t>)</a:t>
+            </a:r>
+          </a:p>
+          <a:p>
+            <a:r>
+              <a:rPr lang="en-GB" sz="1400" dirty="0"/>
+              <a:t>C</a:t>
+            </a:r>
+            <a:r>
+              <a:rPr lang="en-GB" sz="1400" dirty="0" smtClean="0"/>
+              <a:t>ourtesy of Dawson</a:t>
+            </a:r>
+            <a:r>
+              <a:rPr lang="en-GB" sz="1400" dirty="0"/>
+              <a:t>, R.J.P and  </a:t>
+            </a:r>
+            <a:r>
+              <a:rPr lang="en-GB" sz="1400" dirty="0" err="1"/>
+              <a:t>Locher</a:t>
+            </a:r>
+            <a:r>
+              <a:rPr lang="en-GB" sz="1400" dirty="0"/>
+              <a:t>, K.P, Nature 443, 180, </a:t>
+            </a:r>
+            <a:r>
+              <a:rPr lang="en-GB" sz="1400" dirty="0" smtClean="0"/>
+              <a:t>2006</a:t>
+            </a:r>
+            <a:endParaRPr lang="en-GB" sz="1400" dirty="0"/>
+          </a:p>
+        </p:txBody>
+      </p:sp>
+      <p:sp>
+        <p:nvSpPr>
+          <p:cNvPr id="13" name="TextBox 12"/>
+          <p:cNvSpPr txBox="1"/>
+          <p:nvPr/>
+        </p:nvSpPr>
+        <p:spPr>
+          <a:xfrm>
+            <a:off x="3962736" y="1314160"/>
+            <a:ext cx="5135544" cy="1015663"/>
+          </a:xfrm>
+          <a:prstGeom prst="rect">
+            <a:avLst/>
+          </a:prstGeom>
+          <a:solidFill>
+            <a:schemeClr val="bg1"/>
+          </a:solidFill>
+        </p:spPr>
+        <p:txBody>
+          <a:bodyPr wrap="square">
+            <a:spAutoFit/>
+          </a:bodyPr>
+          <a:lstStyle/>
+          <a:p>
+            <a:pPr algn="ctr">
+              <a:defRPr/>
+            </a:pPr>
+            <a:r>
+              <a:rPr lang="en-GB" sz="2000" b="1" dirty="0" smtClean="0"/>
+              <a:t>“Chang </a:t>
+            </a:r>
+            <a:r>
+              <a:rPr lang="en-GB" sz="2000" b="1" dirty="0"/>
+              <a:t>was horrified to discover that a homemade data-analysis program had flipped two columns of </a:t>
+            </a:r>
+            <a:r>
+              <a:rPr lang="en-GB" sz="2000" b="1" dirty="0" smtClean="0"/>
+              <a:t>data”</a:t>
+            </a:r>
+          </a:p>
+        </p:txBody>
+      </p:sp>
+      <p:sp>
+        <p:nvSpPr>
+          <p:cNvPr id="14" name="TextBox 13"/>
+          <p:cNvSpPr txBox="1"/>
+          <p:nvPr/>
+        </p:nvSpPr>
+        <p:spPr>
+          <a:xfrm>
+            <a:off x="96545" y="5369563"/>
+            <a:ext cx="9035698" cy="523220"/>
+          </a:xfrm>
+          <a:prstGeom prst="rect">
+            <a:avLst/>
+          </a:prstGeom>
+          <a:solidFill>
+            <a:schemeClr val="bg1"/>
+          </a:solidFill>
+        </p:spPr>
+        <p:txBody>
+          <a:bodyPr wrap="square">
+            <a:spAutoFit/>
+          </a:bodyPr>
+          <a:lstStyle/>
+          <a:p>
+            <a:pPr algn="ctr">
+              <a:defRPr/>
+            </a:pPr>
+            <a:r>
+              <a:rPr lang="en-US" sz="1400" dirty="0" smtClean="0"/>
+              <a:t>Miller</a:t>
+            </a:r>
+            <a:r>
+              <a:rPr lang="en-US" sz="1400" dirty="0"/>
+              <a:t>, G. “</a:t>
+            </a:r>
+            <a:r>
+              <a:rPr lang="en-GB" sz="1400" dirty="0"/>
+              <a:t>A Scientist's Nightmare: Software Problem Leads to Five Retractions”, Science 314(5807), pp1856-1857. DOI: </a:t>
+            </a:r>
+            <a:r>
+              <a:rPr lang="en-GB" sz="1400" dirty="0" smtClean="0"/>
+              <a:t>10.1126/science.314.5807.1856</a:t>
+            </a:r>
+            <a:endParaRPr lang="en-GB" sz="1400" dirty="0"/>
           </a:p>
         </p:txBody>
       </p:sp>
     </p:spTree>
     <p:extLst>
       <p:ext uri="{BB962C8B-B14F-4D97-AF65-F5344CB8AC3E}">
-        <p14:creationId xmlns:p14="http://schemas.microsoft.com/office/powerpoint/2010/main" val="2154173016"/>
+        <p14:creationId xmlns:p14="http://schemas.microsoft.com/office/powerpoint/2010/main" val="3096410388"/>
       </p:ext>
     </p:extLst>
   </p:cSld>
@@ -12663,7 +12176,7 @@
                                           </p:stCondLst>
                                         </p:cTn>
                                         <p:tgtEl>
-                                          <p:spTgt spid="8"/>
+                                          <p:spTgt spid="9"/>
                                         </p:tgtEl>
                                         <p:attrNameLst>
                                           <p:attrName>style.visibility</p:attrName>
@@ -12708,34 +12221,7 @@
                                           </p:stCondLst>
                                         </p:cTn>
                                         <p:tgtEl>
-                                          <p:spTgt spid="7"/>
-                                        </p:tgtEl>
-                                        <p:attrNameLst>
-                                          <p:attrName>style.visibility</p:attrName>
-                                        </p:attrNameLst>
-                                      </p:cBhvr>
-                                      <p:to>
-                                        <p:strVal val="visible"/>
-                                      </p:to>
-                                    </p:set>
-                                  </p:childTnLst>
-                                </p:cTn>
-                              </p:par>
-                              <p:par>
-                                <p:cTn id="11" presetID="1" presetClass="entr" presetSubtype="0" fill="hold" grpId="0" nodeType="withEffect">
-                                  <p:stCondLst>
-                                    <p:cond delay="0"/>
-                                  </p:stCondLst>
-                                  <p:childTnLst>
-                                    <p:set>
-                                      <p:cBhvr>
-                                        <p:cTn id="12" dur="1" fill="hold">
-                                          <p:stCondLst>
-                                            <p:cond delay="0"/>
-                                          </p:stCondLst>
-                                        </p:cTn>
-                                        <p:tgtEl>
-                                          <p:spTgt spid="6"/>
+                                          <p:spTgt spid="10"/>
                                         </p:tgtEl>
                                         <p:attrNameLst>
                                           <p:attrName>style.visibility</p:attrName>
@@ -12755,26 +12241,116 @@
                     </p:cTn>
                   </p:par>
                   <p:par>
-                    <p:cTn id="13" fill="hold">
+                    <p:cTn id="11" fill="hold">
                       <p:stCondLst>
                         <p:cond delay="indefinite"/>
                       </p:stCondLst>
                       <p:childTnLst>
                         <p:par>
-                          <p:cTn id="14" fill="hold">
+                          <p:cTn id="12" fill="hold">
                             <p:stCondLst>
                               <p:cond delay="0"/>
                             </p:stCondLst>
                             <p:childTnLst>
                               <p:par>
-                                <p:cTn id="15" presetID="1" presetClass="entr" presetSubtype="0" fill="hold" nodeType="clickEffect">
+                                <p:cTn id="13" presetID="1" presetClass="entr" presetSubtype="0" fill="hold" grpId="0" nodeType="clickEffect">
                                   <p:stCondLst>
                                     <p:cond delay="0"/>
                                   </p:stCondLst>
                                   <p:childTnLst>
                                     <p:set>
                                       <p:cBhvr>
-                                        <p:cTn id="16" dur="1" fill="hold">
+                                        <p:cTn id="14" dur="1" fill="hold">
+                                          <p:stCondLst>
+                                            <p:cond delay="0"/>
+                                          </p:stCondLst>
+                                        </p:cTn>
+                                        <p:tgtEl>
+                                          <p:spTgt spid="13"/>
+                                        </p:tgtEl>
+                                        <p:attrNameLst>
+                                          <p:attrName>style.visibility</p:attrName>
+                                        </p:attrNameLst>
+                                      </p:cBhvr>
+                                      <p:to>
+                                        <p:strVal val="visible"/>
+                                      </p:to>
+                                    </p:set>
+                                  </p:childTnLst>
+                                </p:cTn>
+                              </p:par>
+                            </p:childTnLst>
+                          </p:cTn>
+                        </p:par>
+                      </p:childTnLst>
+                    </p:cTn>
+                  </p:par>
+                  <p:par>
+                    <p:cTn id="15" fill="hold">
+                      <p:stCondLst>
+                        <p:cond delay="indefinite"/>
+                      </p:stCondLst>
+                      <p:childTnLst>
+                        <p:par>
+                          <p:cTn id="16" fill="hold">
+                            <p:stCondLst>
+                              <p:cond delay="0"/>
+                            </p:stCondLst>
+                            <p:childTnLst>
+                              <p:par>
+                                <p:cTn id="17" presetID="1" presetClass="entr" presetSubtype="0" fill="hold" grpId="0" nodeType="clickEffect">
+                                  <p:stCondLst>
+                                    <p:cond delay="0"/>
+                                  </p:stCondLst>
+                                  <p:childTnLst>
+                                    <p:set>
+                                      <p:cBhvr>
+                                        <p:cTn id="18" dur="1" fill="hold">
+                                          <p:stCondLst>
+                                            <p:cond delay="0"/>
+                                          </p:stCondLst>
+                                        </p:cTn>
+                                        <p:tgtEl>
+                                          <p:spTgt spid="14"/>
+                                        </p:tgtEl>
+                                        <p:attrNameLst>
+                                          <p:attrName>style.visibility</p:attrName>
+                                        </p:attrNameLst>
+                                      </p:cBhvr>
+                                      <p:to>
+                                        <p:strVal val="visible"/>
+                                      </p:to>
+                                    </p:set>
+                                  </p:childTnLst>
+                                </p:cTn>
+                              </p:par>
+                            </p:childTnLst>
+                          </p:cTn>
+                        </p:par>
+                      </p:childTnLst>
+                    </p:cTn>
+                  </p:par>
+                  <p:par>
+                    <p:cTn id="19" fill="hold">
+                      <p:stCondLst>
+                        <p:cond delay="indefinite"/>
+                      </p:stCondLst>
+                      <p:childTnLst>
+                        <p:par>
+                          <p:cTn id="20" fill="hold">
+                            <p:stCondLst>
+                              <p:cond delay="0"/>
+                            </p:stCondLst>
+                            <p:childTnLst>
+                              <p:par>
+                                <p:cTn id="21" presetID="1" presetClass="entr" presetSubtype="0" fill="hold" nodeType="clickEffect">
+                                  <p:stCondLst>
+                                    <p:cond delay="0"/>
+                                  </p:stCondLst>
+                                  <p:childTnLst>
+                                    <p:set>
+                                      <p:cBhvr>
+                                        <p:cTn id="22" dur="1" fill="hold">
                                           <p:stCondLst>
                                             <p:cond delay="0"/>
                                           </p:stCondLst>
@@ -12821,8 +12397,9 @@
       </p:par>
     </p:tnLst>
     <p:bldLst>
-      <p:bldP spid="6" grpId="0"/>
-      <p:bldP spid="7" grpId="0" animBg="1"/>
+      <p:bldP spid="10" grpId="0"/>
+      <p:bldP spid="13" grpId="0" animBg="1"/>
+      <p:bldP spid="14" grpId="0" animBg="1"/>
     </p:bldLst>
   </p:timing>
 </p:sld>
@@ -12847,7 +12424,7 @@
       </p:grpSpPr>
       <p:sp>
         <p:nvSpPr>
-          <p:cNvPr id="40962" name="Title 1"/>
+          <p:cNvPr id="2" name="Title 1"/>
           <p:cNvSpPr>
             <a:spLocks noGrp="1"/>
           </p:cNvSpPr>
@@ -12857,141 +12434,638 @@
         </p:nvSpPr>
         <p:spPr/>
         <p:txBody>
-          <a:bodyPr/>
+          <a:bodyPr>
+            <a:normAutofit fontScale="90000"/>
+          </a:bodyPr>
           <a:lstStyle/>
           <a:p>
             <a:r>
-              <a:rPr lang="en-GB" altLang="en-US" dirty="0" smtClean="0"/>
-              <a:t>A skills gap</a:t>
-            </a:r>
+              <a:rPr lang="en-GB" dirty="0" smtClean="0"/>
+              <a:t>Behind every great piece of science…</a:t>
+            </a:r>
+            <a:endParaRPr lang="en-GB" dirty="0"/>
           </a:p>
         </p:txBody>
       </p:sp>
-      <p:pic>
-        <p:nvPicPr>
-          <p:cNvPr id="40963" name="Picture 3"/>
-          <p:cNvPicPr>
-            <a:picLocks noChangeAspect="1"/>
-          </p:cNvPicPr>
+      <p:sp>
+        <p:nvSpPr>
+          <p:cNvPr id="5" name="TextBox 4"/>
+          <p:cNvSpPr txBox="1"/>
           <p:nvPr/>
-        </p:nvPicPr>
-        <p:blipFill>
-          <a:blip r:embed="rId3">
-            <a:extLst>
-              <a:ext uri="{28A0092B-C50C-407E-A947-70E740481C1C}">
-                <a14:useLocalDpi xmlns:a14="http://schemas.microsoft.com/office/drawing/2010/main" val="0"/>
-              </a:ext>
-            </a:extLst>
-          </a:blip>
-          <a:srcRect b="35049"/>
-          <a:stretch>
-            <a:fillRect/>
-          </a:stretch>
-        </p:blipFill>
-        <p:spPr bwMode="auto">
+        </p:nvSpPr>
+        <p:spPr>
           <a:xfrm>
-            <a:off x="395536" y="1484114"/>
-            <a:ext cx="3735237" cy="4249142"/>
+            <a:off x="-383553" y="-172572"/>
+            <a:ext cx="10577383" cy="6771084"/>
           </a:xfrm>
           <a:prstGeom prst="rect">
             <a:avLst/>
           </a:prstGeom>
           <a:noFill/>
-          <a:ln>
-            <a:noFill/>
+        </p:spPr>
+        <p:txBody>
+          <a:bodyPr wrap="none" rtlCol="0">
+            <a:spAutoFit/>
+          </a:bodyPr>
+          <a:lstStyle/>
+          <a:p>
+            <a:r>
+              <a:rPr lang="en-US" sz="1400" b="1" dirty="0" smtClean="0">
+                <a:latin typeface="Calibri Light" panose="020F0302020204030204" pitchFamily="34" charset="0"/>
+                <a:cs typeface="Courier"/>
+              </a:rPr>
+              <a:t>#go through each SNP of interest</a:t>
+            </a:r>
+          </a:p>
+          <a:p>
+            <a:r>
+              <a:rPr lang="en-US" sz="1400" b="1" dirty="0" err="1" smtClean="0">
+                <a:latin typeface="Calibri Light" panose="020F0302020204030204" pitchFamily="34" charset="0"/>
+                <a:cs typeface="Courier"/>
+              </a:rPr>
+              <a:t>for(my</a:t>
+            </a:r>
+            <a:r>
+              <a:rPr lang="en-US" sz="1400" b="1" dirty="0" smtClean="0">
+                <a:latin typeface="Calibri Light" panose="020F0302020204030204" pitchFamily="34" charset="0"/>
+                <a:cs typeface="Courier"/>
+              </a:rPr>
+              <a:t> $</a:t>
+            </a:r>
+            <a:r>
+              <a:rPr lang="en-US" sz="1400" b="1" dirty="0" err="1" smtClean="0">
+                <a:latin typeface="Calibri Light" panose="020F0302020204030204" pitchFamily="34" charset="0"/>
+                <a:cs typeface="Courier"/>
+              </a:rPr>
+              <a:t>x</a:t>
+            </a:r>
+            <a:r>
+              <a:rPr lang="en-US" sz="1400" b="1" dirty="0" smtClean="0">
+                <a:latin typeface="Calibri Light" panose="020F0302020204030204" pitchFamily="34" charset="0"/>
+                <a:cs typeface="Courier"/>
+              </a:rPr>
+              <a:t> = 0; $</a:t>
+            </a:r>
+            <a:r>
+              <a:rPr lang="en-US" sz="1400" b="1" dirty="0" err="1" smtClean="0">
+                <a:latin typeface="Calibri Light" panose="020F0302020204030204" pitchFamily="34" charset="0"/>
+                <a:cs typeface="Courier"/>
+              </a:rPr>
+              <a:t>x</a:t>
+            </a:r>
+            <a:r>
+              <a:rPr lang="en-US" sz="1400" b="1" dirty="0" smtClean="0">
+                <a:latin typeface="Calibri Light" panose="020F0302020204030204" pitchFamily="34" charset="0"/>
+                <a:cs typeface="Courier"/>
+              </a:rPr>
+              <a:t> &lt; scalar @pos; $</a:t>
+            </a:r>
+            <a:r>
+              <a:rPr lang="en-US" sz="1400" b="1" dirty="0" err="1" smtClean="0">
+                <a:latin typeface="Calibri Light" panose="020F0302020204030204" pitchFamily="34" charset="0"/>
+                <a:cs typeface="Courier"/>
+              </a:rPr>
+              <a:t>x</a:t>
+            </a:r>
+            <a:r>
+              <a:rPr lang="en-US" sz="1400" b="1" dirty="0" smtClean="0">
+                <a:latin typeface="Calibri Light" panose="020F0302020204030204" pitchFamily="34" charset="0"/>
+                <a:cs typeface="Courier"/>
+              </a:rPr>
+              <a:t>++)</a:t>
+            </a:r>
+          </a:p>
+          <a:p>
+            <a:r>
+              <a:rPr lang="en-US" sz="1400" b="1" dirty="0" smtClean="0">
+                <a:latin typeface="Calibri Light" panose="020F0302020204030204" pitchFamily="34" charset="0"/>
+                <a:cs typeface="Courier"/>
+              </a:rPr>
+              <a:t>{</a:t>
+            </a:r>
+          </a:p>
+          <a:p>
+            <a:r>
+              <a:rPr lang="en-US" sz="1400" b="1" dirty="0" smtClean="0">
+                <a:latin typeface="Calibri Light" panose="020F0302020204030204" pitchFamily="34" charset="0"/>
+                <a:cs typeface="Courier"/>
+              </a:rPr>
+              <a:t>    #and then each downstream SNP of interest</a:t>
+            </a:r>
+          </a:p>
+          <a:p>
+            <a:r>
+              <a:rPr lang="en-US" sz="1400" b="1" dirty="0" smtClean="0">
+                <a:latin typeface="Calibri Light" panose="020F0302020204030204" pitchFamily="34" charset="0"/>
+                <a:cs typeface="Courier"/>
+              </a:rPr>
+              <a:t>    for(my $y = $x+1; $y &lt; scalar @</a:t>
+            </a:r>
+            <a:r>
+              <a:rPr lang="en-US" sz="1400" b="1" dirty="0" err="1" smtClean="0">
+                <a:latin typeface="Calibri Light" panose="020F0302020204030204" pitchFamily="34" charset="0"/>
+                <a:cs typeface="Courier"/>
+              </a:rPr>
+              <a:t>pos</a:t>
+            </a:r>
+            <a:r>
+              <a:rPr lang="en-US" sz="1400" b="1" dirty="0" smtClean="0">
+                <a:latin typeface="Calibri Light" panose="020F0302020204030204" pitchFamily="34" charset="0"/>
+                <a:cs typeface="Courier"/>
+              </a:rPr>
+              <a:t>; $y++)</a:t>
+            </a:r>
+          </a:p>
+          <a:p>
+            <a:r>
+              <a:rPr lang="en-US" sz="1400" b="1" dirty="0" smtClean="0">
+                <a:latin typeface="Calibri Light" panose="020F0302020204030204" pitchFamily="34" charset="0"/>
+                <a:cs typeface="Courier"/>
+              </a:rPr>
+              <a:t>    {</a:t>
+            </a:r>
+          </a:p>
+          <a:p>
+            <a:r>
+              <a:rPr lang="en-US" sz="1400" b="1" dirty="0" smtClean="0">
+                <a:latin typeface="Calibri Light" panose="020F0302020204030204" pitchFamily="34" charset="0"/>
+                <a:cs typeface="Courier"/>
+              </a:rPr>
+              <a:t>        #if </a:t>
+            </a:r>
+            <a:r>
+              <a:rPr lang="en-US" sz="1400" b="1" dirty="0" err="1" smtClean="0">
+                <a:latin typeface="Calibri Light" panose="020F0302020204030204" pitchFamily="34" charset="0"/>
+                <a:cs typeface="Courier"/>
+              </a:rPr>
+              <a:t>SNPs</a:t>
+            </a:r>
+            <a:r>
+              <a:rPr lang="en-US" sz="1400" b="1" dirty="0" smtClean="0">
+                <a:latin typeface="Calibri Light" panose="020F0302020204030204" pitchFamily="34" charset="0"/>
+                <a:cs typeface="Courier"/>
+              </a:rPr>
+              <a:t> within our chosen distance (500kb) and both present in the </a:t>
+            </a:r>
+            <a:r>
+              <a:rPr lang="en-US" sz="1400" b="1" dirty="0" err="1" smtClean="0">
+                <a:latin typeface="Calibri Light" panose="020F0302020204030204" pitchFamily="34" charset="0"/>
+                <a:cs typeface="Courier"/>
+              </a:rPr>
+              <a:t>haplotypes</a:t>
+            </a:r>
+            <a:r>
+              <a:rPr lang="en-US" sz="1400" b="1" dirty="0" smtClean="0">
+                <a:latin typeface="Calibri Light" panose="020F0302020204030204" pitchFamily="34" charset="0"/>
+                <a:cs typeface="Courier"/>
+              </a:rPr>
+              <a:t> file</a:t>
+            </a:r>
+          </a:p>
+          <a:p>
+            <a:r>
+              <a:rPr lang="en-US" sz="1400" b="1" dirty="0" smtClean="0">
+                <a:latin typeface="Calibri Light" panose="020F0302020204030204" pitchFamily="34" charset="0"/>
+                <a:cs typeface="Courier"/>
+              </a:rPr>
+              <a:t>        </a:t>
+            </a:r>
+            <a:r>
+              <a:rPr lang="en-US" sz="1400" b="1" dirty="0" err="1" smtClean="0">
+                <a:latin typeface="Calibri Light" panose="020F0302020204030204" pitchFamily="34" charset="0"/>
+                <a:cs typeface="Courier"/>
+              </a:rPr>
+              <a:t>if((!($trait[$x</a:t>
+            </a:r>
+            <a:r>
+              <a:rPr lang="en-US" sz="1400" b="1" dirty="0" smtClean="0">
+                <a:latin typeface="Calibri Light" panose="020F0302020204030204" pitchFamily="34" charset="0"/>
+                <a:cs typeface="Courier"/>
+              </a:rPr>
+              <a:t>] </a:t>
+            </a:r>
+            <a:r>
+              <a:rPr lang="en-US" sz="1400" b="1" dirty="0" err="1" smtClean="0">
+                <a:latin typeface="Calibri Light" panose="020F0302020204030204" pitchFamily="34" charset="0"/>
+                <a:cs typeface="Courier"/>
+              </a:rPr>
+              <a:t>eq</a:t>
+            </a:r>
+            <a:r>
+              <a:rPr lang="en-US" sz="1400" b="1" dirty="0" smtClean="0">
+                <a:latin typeface="Calibri Light" panose="020F0302020204030204" pitchFamily="34" charset="0"/>
+                <a:cs typeface="Courier"/>
+              </a:rPr>
+              <a:t> $</a:t>
+            </a:r>
+            <a:r>
+              <a:rPr lang="en-US" sz="1400" b="1" dirty="0" err="1" smtClean="0">
+                <a:latin typeface="Calibri Light" panose="020F0302020204030204" pitchFamily="34" charset="0"/>
+                <a:cs typeface="Courier"/>
+              </a:rPr>
+              <a:t>trait[$y</a:t>
+            </a:r>
+            <a:r>
+              <a:rPr lang="en-US" sz="1400" b="1" dirty="0" smtClean="0">
+                <a:latin typeface="Calibri Light" panose="020F0302020204030204" pitchFamily="34" charset="0"/>
+                <a:cs typeface="Courier"/>
+              </a:rPr>
+              <a:t>])) &amp;&amp; (</a:t>
+            </a:r>
+            <a:r>
+              <a:rPr lang="en-US" sz="1400" b="1" dirty="0" err="1" smtClean="0">
+                <a:latin typeface="Calibri Light" panose="020F0302020204030204" pitchFamily="34" charset="0"/>
+                <a:cs typeface="Courier"/>
+              </a:rPr>
+              <a:t>abs($pos[$x</a:t>
+            </a:r>
+            <a:r>
+              <a:rPr lang="en-US" sz="1400" b="1" dirty="0" smtClean="0">
+                <a:latin typeface="Calibri Light" panose="020F0302020204030204" pitchFamily="34" charset="0"/>
+                <a:cs typeface="Courier"/>
+              </a:rPr>
+              <a:t>] - $</a:t>
+            </a:r>
+            <a:r>
+              <a:rPr lang="en-US" sz="1400" b="1" dirty="0" err="1" smtClean="0">
+                <a:latin typeface="Calibri Light" panose="020F0302020204030204" pitchFamily="34" charset="0"/>
+                <a:cs typeface="Courier"/>
+              </a:rPr>
+              <a:t>pos[$y</a:t>
+            </a:r>
+            <a:r>
+              <a:rPr lang="en-US" sz="1400" b="1" dirty="0" smtClean="0">
+                <a:latin typeface="Calibri Light" panose="020F0302020204030204" pitchFamily="34" charset="0"/>
+                <a:cs typeface="Courier"/>
+              </a:rPr>
+              <a:t>]) &lt;= 500000) &amp;&amp; (</a:t>
+            </a:r>
+            <a:r>
+              <a:rPr lang="en-US" sz="1400" b="1" dirty="0" err="1" smtClean="0">
+                <a:latin typeface="Calibri Light" panose="020F0302020204030204" pitchFamily="34" charset="0"/>
+                <a:cs typeface="Courier"/>
+              </a:rPr>
+              <a:t>exists($legArrayPos{$pos[$x</a:t>
+            </a:r>
+            <a:r>
+              <a:rPr lang="en-US" sz="1400" b="1" dirty="0" smtClean="0">
+                <a:latin typeface="Calibri Light" panose="020F0302020204030204" pitchFamily="34" charset="0"/>
+                <a:cs typeface="Courier"/>
+              </a:rPr>
+              <a:t>]})) &amp;&amp; (</a:t>
+            </a:r>
+            <a:r>
+              <a:rPr lang="en-US" sz="1400" b="1" dirty="0" err="1" smtClean="0">
+                <a:latin typeface="Calibri Light" panose="020F0302020204030204" pitchFamily="34" charset="0"/>
+                <a:cs typeface="Courier"/>
+              </a:rPr>
+              <a:t>exists($legArrayPos{$pos[$y</a:t>
+            </a:r>
+            <a:r>
+              <a:rPr lang="en-US" sz="1400" b="1" dirty="0" smtClean="0">
+                <a:latin typeface="Calibri Light" panose="020F0302020204030204" pitchFamily="34" charset="0"/>
+                <a:cs typeface="Courier"/>
+              </a:rPr>
+              <a:t>]})))</a:t>
+            </a:r>
+          </a:p>
+          <a:p>
+            <a:r>
+              <a:rPr lang="en-US" sz="1400" b="1" dirty="0" smtClean="0">
+                <a:latin typeface="Calibri Light" panose="020F0302020204030204" pitchFamily="34" charset="0"/>
+                <a:cs typeface="Courier"/>
+              </a:rPr>
+              <a:t>        {         </a:t>
+            </a:r>
+          </a:p>
+          <a:p>
+            <a:r>
+              <a:rPr lang="en-US" sz="1400" b="1" dirty="0" smtClean="0">
+                <a:latin typeface="Calibri Light" panose="020F0302020204030204" pitchFamily="34" charset="0"/>
+                <a:cs typeface="Courier"/>
+              </a:rPr>
+              <a:t>            my $snp1ArrayPos = "”;</a:t>
+            </a:r>
+          </a:p>
+          <a:p>
+            <a:r>
+              <a:rPr lang="en-US" sz="1400" b="1" dirty="0" smtClean="0">
+                <a:latin typeface="Calibri Light" panose="020F0302020204030204" pitchFamily="34" charset="0"/>
+                <a:cs typeface="Courier"/>
+              </a:rPr>
+              <a:t>            my $snp2ArrayPos = "”;</a:t>
+            </a:r>
+          </a:p>
+          <a:p>
+            <a:r>
+              <a:rPr lang="en-US" sz="1400" b="1" dirty="0" smtClean="0">
+                <a:latin typeface="Calibri Light" panose="020F0302020204030204" pitchFamily="34" charset="0"/>
+                <a:cs typeface="Courier"/>
+              </a:rPr>
+              <a:t>            my $snp1All = "”;</a:t>
+            </a:r>
+          </a:p>
+          <a:p>
+            <a:r>
+              <a:rPr lang="en-US" sz="1400" b="1" dirty="0" smtClean="0">
+                <a:latin typeface="Calibri Light" panose="020F0302020204030204" pitchFamily="34" charset="0"/>
+                <a:cs typeface="Courier"/>
+              </a:rPr>
+              <a:t>            my $snp2All = "”;           </a:t>
+            </a:r>
+            <a:endParaRPr lang="en-US" sz="2800" b="1" dirty="0" smtClean="0">
+              <a:latin typeface="Calibri Light" panose="020F0302020204030204" pitchFamily="34" charset="0"/>
+              <a:cs typeface="Courier"/>
+            </a:endParaRPr>
+          </a:p>
+          <a:p>
+            <a:r>
+              <a:rPr lang="en-US" sz="2800" b="1" dirty="0" smtClean="0">
+                <a:latin typeface="Calibri Light" panose="020F0302020204030204" pitchFamily="34" charset="0"/>
+                <a:cs typeface="Courier"/>
+              </a:rPr>
+              <a:t>      </a:t>
+            </a:r>
+            <a:r>
+              <a:rPr lang="en-US" sz="1400" b="1" dirty="0" smtClean="0">
+                <a:latin typeface="Calibri Light" panose="020F0302020204030204" pitchFamily="34" charset="0"/>
+                <a:cs typeface="Courier"/>
+              </a:rPr>
+              <a:t>#create output file for this SNP pair</a:t>
+            </a:r>
+          </a:p>
+          <a:p>
+            <a:r>
+              <a:rPr lang="en-US" sz="1400" b="1" dirty="0" smtClean="0">
+                <a:latin typeface="Calibri Light" panose="020F0302020204030204" pitchFamily="34" charset="0"/>
+                <a:cs typeface="Courier"/>
+              </a:rPr>
+              <a:t>            my $filename = "ConditionedResults2/$chr[$x].$pos[$x]-$pos[$y].EHH.GBR.2.txt”;</a:t>
+            </a:r>
+          </a:p>
+          <a:p>
+            <a:r>
+              <a:rPr lang="en-US" sz="1400" b="1" dirty="0" smtClean="0">
+                <a:latin typeface="Calibri Light" panose="020F0302020204030204" pitchFamily="34" charset="0"/>
+                <a:cs typeface="Courier"/>
+              </a:rPr>
+              <a:t>            print "$filename\</a:t>
+            </a:r>
+            <a:r>
+              <a:rPr lang="en-US" sz="1400" b="1" dirty="0" err="1" smtClean="0">
+                <a:latin typeface="Calibri Light" panose="020F0302020204030204" pitchFamily="34" charset="0"/>
+                <a:cs typeface="Courier"/>
+              </a:rPr>
+              <a:t>n</a:t>
+            </a:r>
+            <a:r>
+              <a:rPr lang="en-US" sz="1400" b="1" dirty="0" smtClean="0">
+                <a:latin typeface="Calibri Light" panose="020F0302020204030204" pitchFamily="34" charset="0"/>
+                <a:cs typeface="Courier"/>
+              </a:rPr>
+              <a:t>”;</a:t>
+            </a:r>
+          </a:p>
+          <a:p>
+            <a:r>
+              <a:rPr lang="en-US" sz="1400" b="1" dirty="0" smtClean="0">
+                <a:latin typeface="Calibri Light" panose="020F0302020204030204" pitchFamily="34" charset="0"/>
+                <a:cs typeface="Courier"/>
+              </a:rPr>
+              <a:t>            unless (-</a:t>
+            </a:r>
+            <a:r>
+              <a:rPr lang="en-US" sz="1400" b="1" dirty="0" err="1" smtClean="0">
+                <a:latin typeface="Calibri Light" panose="020F0302020204030204" pitchFamily="34" charset="0"/>
+                <a:cs typeface="Courier"/>
+              </a:rPr>
+              <a:t>e</a:t>
+            </a:r>
+            <a:r>
+              <a:rPr lang="en-US" sz="1400" b="1" dirty="0" smtClean="0">
+                <a:latin typeface="Calibri Light" panose="020F0302020204030204" pitchFamily="34" charset="0"/>
+                <a:cs typeface="Courier"/>
+              </a:rPr>
+              <a:t> $filename) {</a:t>
+            </a:r>
+          </a:p>
+          <a:p>
+            <a:r>
+              <a:rPr lang="en-US" sz="1400" b="1" dirty="0" smtClean="0">
+                <a:latin typeface="Calibri Light" panose="020F0302020204030204" pitchFamily="34" charset="0"/>
+                <a:cs typeface="Courier"/>
+              </a:rPr>
+              <a:t>                </a:t>
+            </a:r>
+            <a:r>
+              <a:rPr lang="en-US" sz="1400" b="1" dirty="0" err="1" smtClean="0">
+                <a:latin typeface="Calibri Light" panose="020F0302020204030204" pitchFamily="34" charset="0"/>
+                <a:cs typeface="Courier"/>
+              </a:rPr>
+              <a:t>open(OUT</a:t>
+            </a:r>
+            <a:r>
+              <a:rPr lang="en-US" sz="1400" b="1" dirty="0" smtClean="0">
+                <a:latin typeface="Calibri Light" panose="020F0302020204030204" pitchFamily="34" charset="0"/>
+                <a:cs typeface="Courier"/>
+              </a:rPr>
+              <a:t>, "&gt;$filename");               </a:t>
+            </a:r>
+          </a:p>
+          <a:p>
+            <a:endParaRPr lang="en-US" sz="1400" b="1" dirty="0" smtClean="0">
+              <a:latin typeface="Calibri Light" panose="020F0302020204030204" pitchFamily="34" charset="0"/>
+              <a:cs typeface="Courier"/>
+            </a:endParaRPr>
+          </a:p>
+          <a:p>
+            <a:r>
+              <a:rPr lang="en-US" sz="1400" b="1" dirty="0" smtClean="0">
+                <a:latin typeface="Calibri Light" panose="020F0302020204030204" pitchFamily="34" charset="0"/>
+                <a:cs typeface="Courier"/>
+              </a:rPr>
+              <a:t>                #####################CHANGE THESE IF NOT FOCUSING ON SECOND SNP#########################</a:t>
+            </a:r>
+          </a:p>
+          <a:p>
+            <a:r>
+              <a:rPr lang="en-US" sz="1400" b="1" dirty="0" smtClean="0">
+                <a:latin typeface="Calibri Light" panose="020F0302020204030204" pitchFamily="34" charset="0"/>
+                <a:cs typeface="Courier"/>
+              </a:rPr>
+              <a:t>                my $start = $pos[$y]-500000;</a:t>
+            </a:r>
+          </a:p>
+          <a:p>
+            <a:r>
+              <a:rPr lang="en-US" sz="1400" b="1" dirty="0" smtClean="0">
+                <a:latin typeface="Calibri Light" panose="020F0302020204030204" pitchFamily="34" charset="0"/>
+                <a:cs typeface="Courier"/>
+              </a:rPr>
+              <a:t>                if ($start &lt; 1) {</a:t>
+            </a:r>
+          </a:p>
+          <a:p>
+            <a:r>
+              <a:rPr lang="en-US" sz="1400" b="1" dirty="0" smtClean="0">
+                <a:latin typeface="Calibri Light" panose="020F0302020204030204" pitchFamily="34" charset="0"/>
+                <a:cs typeface="Courier"/>
+              </a:rPr>
+              <a:t>                    $start = 1;</a:t>
+            </a:r>
+          </a:p>
+          <a:p>
+            <a:r>
+              <a:rPr lang="en-US" sz="1400" b="1" dirty="0" smtClean="0">
+                <a:latin typeface="Calibri Light" panose="020F0302020204030204" pitchFamily="34" charset="0"/>
+                <a:cs typeface="Courier"/>
+              </a:rPr>
+              <a:t>                }</a:t>
+            </a:r>
+          </a:p>
+          <a:p>
+            <a:r>
+              <a:rPr lang="en-US" sz="1400" b="1" dirty="0" smtClean="0">
+                <a:latin typeface="Calibri Light" panose="020F0302020204030204" pitchFamily="34" charset="0"/>
+                <a:cs typeface="Courier"/>
+              </a:rPr>
+              <a:t>                my $end = $pos[$y]+500000;</a:t>
+            </a:r>
+          </a:p>
+          <a:p>
+            <a:r>
+              <a:rPr lang="en-US" sz="1400" b="1" dirty="0" smtClean="0">
+                <a:latin typeface="Calibri Light" panose="020F0302020204030204" pitchFamily="34" charset="0"/>
+                <a:cs typeface="Courier"/>
+              </a:rPr>
+              <a:t>                if ($end &gt; $</a:t>
+            </a:r>
+            <a:r>
+              <a:rPr lang="en-US" sz="1400" b="1" dirty="0" err="1" smtClean="0">
+                <a:latin typeface="Calibri Light" panose="020F0302020204030204" pitchFamily="34" charset="0"/>
+                <a:cs typeface="Courier"/>
+              </a:rPr>
+              <a:t>chrLengths{$chr[$x</a:t>
+            </a:r>
+            <a:r>
+              <a:rPr lang="en-US" sz="1400" b="1" dirty="0" smtClean="0">
+                <a:latin typeface="Calibri Light" panose="020F0302020204030204" pitchFamily="34" charset="0"/>
+                <a:cs typeface="Courier"/>
+              </a:rPr>
+              <a:t>]}) {</a:t>
+            </a:r>
+          </a:p>
+          <a:p>
+            <a:r>
+              <a:rPr lang="en-US" sz="1400" b="1" dirty="0" smtClean="0">
+                <a:latin typeface="Calibri Light" panose="020F0302020204030204" pitchFamily="34" charset="0"/>
+                <a:cs typeface="Courier"/>
+              </a:rPr>
+              <a:t>                    $end = $</a:t>
+            </a:r>
+            <a:r>
+              <a:rPr lang="en-US" sz="1400" b="1" dirty="0" err="1" smtClean="0">
+                <a:latin typeface="Calibri Light" panose="020F0302020204030204" pitchFamily="34" charset="0"/>
+                <a:cs typeface="Courier"/>
+              </a:rPr>
+              <a:t>chrLengths{$chr[$x</a:t>
+            </a:r>
+            <a:r>
+              <a:rPr lang="en-US" sz="1400" b="1" dirty="0" smtClean="0">
+                <a:latin typeface="Calibri Light" panose="020F0302020204030204" pitchFamily="34" charset="0"/>
+                <a:cs typeface="Courier"/>
+              </a:rPr>
+              <a:t>]};</a:t>
+            </a:r>
+          </a:p>
+          <a:p>
+            <a:r>
+              <a:rPr lang="en-US" sz="1400" b="1" dirty="0" smtClean="0">
+                <a:latin typeface="Calibri Light" panose="020F0302020204030204" pitchFamily="34" charset="0"/>
+                <a:cs typeface="Courier"/>
+              </a:rPr>
+              <a:t>                }</a:t>
+            </a:r>
+          </a:p>
+          <a:p>
+            <a:endParaRPr lang="en-US" sz="1400" dirty="0" smtClean="0">
+              <a:latin typeface="Calibri Light" panose="020F0302020204030204" pitchFamily="34" charset="0"/>
+              <a:cs typeface="Courier"/>
+            </a:endParaRPr>
+          </a:p>
+          <a:p>
+            <a:r>
+              <a:rPr lang="en-US" sz="1400" dirty="0" smtClean="0">
+                <a:latin typeface="Calibri Light" panose="020F0302020204030204" pitchFamily="34" charset="0"/>
+                <a:cs typeface="Courier"/>
+              </a:rPr>
+              <a:t> </a:t>
+            </a:r>
+            <a:endParaRPr lang="en-US" sz="1400" dirty="0">
+              <a:latin typeface="Calibri Light" panose="020F0302020204030204" pitchFamily="34" charset="0"/>
+              <a:cs typeface="Courier"/>
+            </a:endParaRPr>
+          </a:p>
+        </p:txBody>
+      </p:sp>
+      <p:sp>
+        <p:nvSpPr>
+          <p:cNvPr id="6" name="Oval 5"/>
+          <p:cNvSpPr/>
+          <p:nvPr/>
+        </p:nvSpPr>
+        <p:spPr>
+          <a:xfrm>
+            <a:off x="2057400" y="3856016"/>
+            <a:ext cx="4099560" cy="699960"/>
+          </a:xfrm>
+          <a:prstGeom prst="ellipse">
+            <a:avLst/>
+          </a:prstGeom>
+          <a:noFill/>
+          <a:ln w="38100">
+            <a:solidFill>
+              <a:srgbClr val="FF0000"/>
+            </a:solidFill>
           </a:ln>
-          <a:extLst>
-            <a:ext uri="{909E8E84-426E-40DD-AFC4-6F175D3DCCD1}">
-              <a14:hiddenFill xmlns:a14="http://schemas.microsoft.com/office/drawing/2010/main">
-                <a:solidFill>
-                  <a:srgbClr val="FFFFFF"/>
-                </a:solidFill>
-              </a14:hiddenFill>
-            </a:ext>
-            <a:ext uri="{91240B29-F687-4F45-9708-019B960494DF}">
-              <a14:hiddenLine xmlns:a14="http://schemas.microsoft.com/office/drawing/2010/main" w="9525">
-                <a:solidFill>
-                  <a:srgbClr val="000000"/>
-                </a:solidFill>
-                <a:miter lim="800000"/>
-                <a:headEnd/>
-                <a:tailEnd/>
-              </a14:hiddenLine>
-            </a:ext>
-          </a:extLst>
         </p:spPr>
-      </p:pic>
-      <p:pic>
-        <p:nvPicPr>
-          <p:cNvPr id="6148" name="Picture 4"/>
-          <p:cNvPicPr>
-            <a:picLocks noChangeAspect="1"/>
-          </p:cNvPicPr>
+        <p:style>
+          <a:lnRef idx="1">
+            <a:schemeClr val="accent1"/>
+          </a:lnRef>
+          <a:fillRef idx="3">
+            <a:schemeClr val="accent1"/>
+          </a:fillRef>
+          <a:effectRef idx="2">
+            <a:schemeClr val="accent1"/>
+          </a:effectRef>
+          <a:fontRef idx="minor">
+            <a:schemeClr val="lt1"/>
+          </a:fontRef>
+        </p:style>
+        <p:txBody>
+          <a:bodyPr rtlCol="0" anchor="ctr"/>
+          <a:lstStyle/>
+          <a:p>
+            <a:pPr algn="ctr"/>
+            <a:endParaRPr lang="en-US"/>
+          </a:p>
+        </p:txBody>
+      </p:sp>
+      <p:sp>
+        <p:nvSpPr>
+          <p:cNvPr id="7" name="Rectangle 6"/>
+          <p:cNvSpPr/>
           <p:nvPr/>
-        </p:nvPicPr>
-        <p:blipFill>
-          <a:blip r:embed="rId3">
-            <a:extLst>
-              <a:ext uri="{28A0092B-C50C-407E-A947-70E740481C1C}">
-                <a14:useLocalDpi xmlns:a14="http://schemas.microsoft.com/office/drawing/2010/main" val="0"/>
-              </a:ext>
-            </a:extLst>
-          </a:blip>
-          <a:srcRect t="62737"/>
-          <a:stretch>
-            <a:fillRect/>
-          </a:stretch>
-        </p:blipFill>
-        <p:spPr bwMode="auto">
+        </p:nvSpPr>
+        <p:spPr>
           <a:xfrm>
-            <a:off x="4355976" y="1052736"/>
-            <a:ext cx="4634833" cy="3024336"/>
+            <a:off x="6786904" y="5457098"/>
+            <a:ext cx="2357096" cy="307777"/>
           </a:xfrm>
           <a:prstGeom prst="rect">
             <a:avLst/>
           </a:prstGeom>
-          <a:noFill/>
-          <a:ln>
-            <a:noFill/>
-          </a:ln>
-          <a:extLst>
-            <a:ext uri="{909E8E84-426E-40DD-AFC4-6F175D3DCCD1}">
-              <a14:hiddenFill xmlns:a14="http://schemas.microsoft.com/office/drawing/2010/main">
-                <a:solidFill>
-                  <a:srgbClr val="FFFFFF"/>
-                </a:solidFill>
-              </a14:hiddenFill>
-            </a:ext>
-            <a:ext uri="{91240B29-F687-4F45-9708-019B960494DF}">
-              <a14:hiddenLine xmlns:a14="http://schemas.microsoft.com/office/drawing/2010/main" w="9525">
-                <a:solidFill>
-                  <a:srgbClr val="000000"/>
-                </a:solidFill>
-                <a:miter lim="800000"/>
-                <a:headEnd/>
-                <a:tailEnd/>
-              </a14:hiddenLine>
-            </a:ext>
-          </a:extLst>
-        </p:spPr>
-      </p:pic>
-      <p:sp>
-        <p:nvSpPr>
-          <p:cNvPr id="8" name="TextBox 7"/>
-          <p:cNvSpPr txBox="1"/>
-          <p:nvPr/>
-        </p:nvSpPr>
-        <p:spPr>
-          <a:xfrm>
-            <a:off x="4554413" y="4149080"/>
-            <a:ext cx="4410075" cy="1600438"/>
-          </a:xfrm>
-          <a:prstGeom prst="rect">
-            <a:avLst/>
-          </a:prstGeom>
-          <a:solidFill>
-            <a:schemeClr val="bg1"/>
-          </a:solidFill>
         </p:spPr>
         <p:txBody>
           <a:bodyPr wrap="square">
@@ -12999,103 +13073,23 @@
           </a:bodyPr>
           <a:lstStyle/>
           <a:p>
-            <a:pPr algn="ctr">
-              <a:defRPr/>
-            </a:pPr>
-            <a:r>
-              <a:rPr lang="en-US" sz="1400" dirty="0" err="1">
-                <a:solidFill>
-                  <a:schemeClr val="tx1"/>
-                </a:solidFill>
-                <a:latin typeface="+mn-lt"/>
-              </a:rPr>
-              <a:t>Hannay</a:t>
-            </a:r>
-            <a:r>
-              <a:rPr lang="en-US" sz="1400" dirty="0">
-                <a:solidFill>
-                  <a:schemeClr val="tx1"/>
-                </a:solidFill>
-                <a:latin typeface="+mn-lt"/>
-              </a:rPr>
-              <a:t> et al, “How Do Scientists Develop and Use Scientific Software?</a:t>
-            </a:r>
-            <a:endParaRPr lang="en-GB" sz="1400" dirty="0">
-              <a:solidFill>
-                <a:schemeClr val="tx1"/>
-              </a:solidFill>
-              <a:latin typeface="+mn-lt"/>
-            </a:endParaRPr>
-          </a:p>
-          <a:p>
-            <a:pPr algn="ctr">
-              <a:defRPr/>
-            </a:pPr>
-            <a:r>
-              <a:rPr lang="en-GB" sz="1400" dirty="0">
-                <a:solidFill>
-                  <a:schemeClr val="tx1"/>
-                </a:solidFill>
-                <a:latin typeface="+mn-lt"/>
-              </a:rPr>
-              <a:t>SECSE '09 Proceedings of the 2009 ICSE Workshop on Software Engineering for Computational Science and Engineering, IEEE Computer Society, 2009. DOI: 10.1109/SECSE.2009.5069155 </a:t>
-            </a:r>
-            <a:endParaRPr lang="en-GB" sz="1400" dirty="0" smtClean="0">
-              <a:solidFill>
-                <a:schemeClr val="tx1"/>
-              </a:solidFill>
-              <a:latin typeface="+mn-lt"/>
-            </a:endParaRPr>
-          </a:p>
-          <a:p>
-            <a:pPr algn="ctr">
-              <a:defRPr/>
-            </a:pPr>
-            <a:r>
-              <a:rPr lang="en-GB" sz="1400" dirty="0" smtClean="0">
-                <a:latin typeface="+mn-lt"/>
-              </a:rPr>
-              <a:t>Images courtesy of Greg Wilson and Neil </a:t>
-            </a:r>
-            <a:r>
-              <a:rPr lang="en-GB" sz="1400" dirty="0" err="1" smtClean="0">
-                <a:latin typeface="+mn-lt"/>
-              </a:rPr>
-              <a:t>Chue</a:t>
-            </a:r>
-            <a:r>
-              <a:rPr lang="en-GB" sz="1400" dirty="0" smtClean="0">
-                <a:latin typeface="+mn-lt"/>
-              </a:rPr>
-              <a:t> Hong</a:t>
-            </a:r>
-            <a:endParaRPr lang="en-GB" sz="1400" dirty="0">
-              <a:solidFill>
-                <a:schemeClr val="tx1"/>
-              </a:solidFill>
-              <a:latin typeface="+mn-lt"/>
-            </a:endParaRPr>
+            <a:r>
+              <a:rPr lang="en-GB" sz="1400" dirty="0" smtClean="0"/>
+              <a:t>Courtesy of Carole Goble</a:t>
+            </a:r>
           </a:p>
         </p:txBody>
       </p:sp>
     </p:spTree>
     <p:extLst>
       <p:ext uri="{BB962C8B-B14F-4D97-AF65-F5344CB8AC3E}">
-        <p14:creationId xmlns:p14="http://schemas.microsoft.com/office/powerpoint/2010/main" val="1205270817"/>
+        <p14:creationId xmlns:p14="http://schemas.microsoft.com/office/powerpoint/2010/main" val="1090528035"/>
       </p:ext>
     </p:extLst>
   </p:cSld>
   <p:clrMapOvr>
     <a:masterClrMapping/>
   </p:clrMapOvr>
-  <mc:AlternateContent xmlns:mc="http://schemas.openxmlformats.org/markup-compatibility/2006" xmlns:p14="http://schemas.microsoft.com/office/powerpoint/2010/main">
-    <mc:Choice Requires="p14">
-      <p:transition p14:dur="0"/>
-    </mc:Choice>
-    <mc:Fallback xmlns="">
-      <p:transition/>
-    </mc:Fallback>
-  </mc:AlternateContent>
   <p:timing>
     <p:tnLst>
       <p:par>
@@ -13117,7 +13111,7 @@
                             </p:stCondLst>
                             <p:childTnLst>
                               <p:par>
-                                <p:cTn id="5" presetID="1" presetClass="entr" presetSubtype="0" fill="hold" nodeType="clickEffect">
+                                <p:cTn id="5" presetID="1" presetClass="entr" presetSubtype="0" fill="hold" grpId="0" nodeType="clickEffect">
                                   <p:stCondLst>
                                     <p:cond delay="0"/>
                                   </p:stCondLst>
@@ -13130,7 +13124,34 @@
                                           </p:stCondLst>
                                         </p:cTn>
                                         <p:tgtEl>
-                                          <p:spTgt spid="40963"/>
+                                          <p:spTgt spid="5"/>
+                                        </p:tgtEl>
+                                        <p:attrNameLst>
+                                          <p:attrName>style.visibility</p:attrName>
+                                        </p:attrNameLst>
+                                      </p:cBhvr>
+                                      <p:to>
+                                        <p:strVal val="visible"/>
+                                      </p:to>
+                                    </p:set>
+                                  </p:childTnLst>
+                                </p:cTn>
+                              </p:par>
+                              <p:par>
+                                <p:cTn id="7" presetID="1" presetClass="entr" presetSubtype="0" fill="hold" grpId="0" nodeType="withEffect">
+                                  <p:stCondLst>
+                                    <p:cond delay="0"/>
+                                  </p:stCondLst>
+                                  <p:childTnLst>
+                                    <p:set>
+                                      <p:cBhvr>
+                                        <p:cTn id="8" dur="1" fill="hold">
+                                          <p:stCondLst>
+                                            <p:cond delay="0"/>
+                                          </p:stCondLst>
+                                        </p:cTn>
+                                        <p:tgtEl>
+                                          <p:spTgt spid="7"/>
                                         </p:tgtEl>
                                         <p:attrNameLst>
                                           <p:attrName>style.visibility</p:attrName>
@@ -13150,46 +13171,19 @@
                     </p:cTn>
                   </p:par>
                   <p:par>
-                    <p:cTn id="7" fill="hold">
+                    <p:cTn id="9" fill="hold">
                       <p:stCondLst>
                         <p:cond delay="indefinite"/>
                       </p:stCondLst>
                       <p:childTnLst>
                         <p:par>
-                          <p:cTn id="8" fill="hold">
+                          <p:cTn id="10" fill="hold">
                             <p:stCondLst>
                               <p:cond delay="0"/>
                             </p:stCondLst>
                             <p:childTnLst>
                               <p:par>
-                                <p:cTn id="9" presetID="1" presetClass="entr" presetSubtype="0" fill="hold" nodeType="clickEffect">
-                                  <p:stCondLst>
-                                    <p:cond delay="0"/>
-                                  </p:stCondLst>
-                                  <p:childTnLst>
-                                    <p:set>
-                                      <p:cBhvr>
-                                        <p:cTn id="10" dur="1" fill="hold">
-                                          <p:stCondLst>
-                                            <p:cond delay="0"/>
-                                          </p:stCondLst>
-                                        </p:cTn>
-                                        <p:tgtEl>
-                                          <p:spTgt spid="6148"/>
-                                        </p:tgtEl>
-                                        <p:attrNameLst>
-                                          <p:attrName>style.visibility</p:attrName>
-                                        </p:attrNameLst>
-                                      </p:cBhvr>
-                                      <p:to>
-                                        <p:strVal val="visible"/>
-                                      </p:to>
-                                    </p:set>
-                                  </p:childTnLst>
-                                </p:cTn>
-                              </p:par>
-                              <p:par>
-                                <p:cTn id="11" presetID="1" presetClass="entr" presetSubtype="0" fill="hold" grpId="0" nodeType="withEffect">
+                                <p:cTn id="11" presetID="1" presetClass="entr" presetSubtype="0" fill="hold" grpId="0" nodeType="clickEffect">
                                   <p:stCondLst>
                                     <p:cond delay="0"/>
                                   </p:stCondLst>
@@ -13202,7 +13196,7 @@
                                           </p:stCondLst>
                                         </p:cTn>
                                         <p:tgtEl>
-                                          <p:spTgt spid="8"/>
+                                          <p:spTgt spid="6"/>
                                         </p:tgtEl>
                                         <p:attrNameLst>
                                           <p:attrName>style.visibility</p:attrName>
@@ -13243,817 +13237,15 @@
       </p:par>
     </p:tnLst>
     <p:bldLst>
-      <p:bldP spid="8" grpId="0" animBg="1"/>
+      <p:bldP spid="5" grpId="0"/>
+      <p:bldP spid="6" grpId="0" animBg="1"/>
+      <p:bldP spid="7" grpId="0"/>
     </p:bldLst>
   </p:timing>
 </p:sld>
 </file>
 
 <file path=ppt/slides/slide14.xml><?xml version="1.0" encoding="utf-8"?>
-<p:sld xmlns:a="http://schemas.openxmlformats.org/drawingml/2006/main" xmlns:r="http://schemas.openxmlformats.org/officeDocument/2006/relationships" xmlns:p="http://schemas.openxmlformats.org/presentationml/2006/main">
-  <p:cSld>
-    <p:spTree>
-      <p:nvGrpSpPr>
-        <p:cNvPr id="1" name=""/>
-        <p:cNvGrpSpPr/>
-        <p:nvPr/>
-      </p:nvGrpSpPr>
-      <p:grpSpPr>
-        <a:xfrm>
-          <a:off x="0" y="0"/>
-          <a:ext cx="0" cy="0"/>
-          <a:chOff x="0" y="0"/>
-          <a:chExt cx="0" cy="0"/>
-        </a:xfrm>
-      </p:grpSpPr>
-      <p:sp>
-        <p:nvSpPr>
-          <p:cNvPr id="2" name="Title 1"/>
-          <p:cNvSpPr>
-            <a:spLocks noGrp="1"/>
-          </p:cNvSpPr>
-          <p:nvPr>
-            <p:ph type="title"/>
-          </p:nvPr>
-        </p:nvSpPr>
-        <p:spPr/>
-        <p:txBody>
-          <a:bodyPr/>
-          <a:lstStyle/>
-          <a:p>
-            <a:r>
-              <a:rPr lang="en-GB" dirty="0" smtClean="0"/>
-              <a:t>Filling the gap</a:t>
-            </a:r>
-            <a:endParaRPr lang="en-GB" dirty="0"/>
-          </a:p>
-        </p:txBody>
-      </p:sp>
-      <p:pic>
-        <p:nvPicPr>
-          <p:cNvPr id="6" name="Picture 15" descr="First morning of the bootcamp">
-            <a:hlinkClick r:id="rId3" tooltip="First morning of the bootcamp by la.figueira, on Flickr"/>
-          </p:cNvPr>
-          <p:cNvPicPr>
-            <a:picLocks noChangeAspect="1" noChangeArrowheads="1"/>
-          </p:cNvPicPr>
-          <p:nvPr/>
-        </p:nvPicPr>
-        <p:blipFill>
-          <a:blip r:embed="rId4">
-            <a:extLst>
-              <a:ext uri="{28A0092B-C50C-407E-A947-70E740481C1C}">
-                <a14:useLocalDpi xmlns:a14="http://schemas.microsoft.com/office/drawing/2010/main" val="0"/>
-              </a:ext>
-            </a:extLst>
-          </a:blip>
-          <a:srcRect/>
-          <a:stretch>
-            <a:fillRect/>
-          </a:stretch>
-        </p:blipFill>
-        <p:spPr bwMode="auto">
-          <a:xfrm>
-            <a:off x="2857163" y="1555722"/>
-            <a:ext cx="4663016" cy="2733058"/>
-          </a:xfrm>
-          <a:prstGeom prst="rect">
-            <a:avLst/>
-          </a:prstGeom>
-          <a:noFill/>
-          <a:ln>
-            <a:noFill/>
-          </a:ln>
-          <a:extLst>
-            <a:ext uri="{909E8E84-426E-40DD-AFC4-6F175D3DCCD1}">
-              <a14:hiddenFill xmlns:a14="http://schemas.microsoft.com/office/drawing/2010/main">
-                <a:solidFill>
-                  <a:srgbClr val="FFFFFF"/>
-                </a:solidFill>
-              </a14:hiddenFill>
-            </a:ext>
-            <a:ext uri="{91240B29-F687-4F45-9708-019B960494DF}">
-              <a14:hiddenLine xmlns:a14="http://schemas.microsoft.com/office/drawing/2010/main" w="9525">
-                <a:solidFill>
-                  <a:srgbClr val="000000"/>
-                </a:solidFill>
-                <a:miter lim="800000"/>
-                <a:headEnd/>
-                <a:tailEnd/>
-              </a14:hiddenLine>
-            </a:ext>
-          </a:extLst>
-        </p:spPr>
-      </p:pic>
-      <p:pic>
-        <p:nvPicPr>
-          <p:cNvPr id="8" name="Picture 4" descr="http://cdt.cs.manchester.ac.uk/assets/images/h1.gif">
-            <a:hlinkClick r:id="rId5"/>
-          </p:cNvPr>
-          <p:cNvPicPr>
-            <a:picLocks noChangeAspect="1" noChangeArrowheads="1"/>
-          </p:cNvPicPr>
-          <p:nvPr/>
-        </p:nvPicPr>
-        <p:blipFill>
-          <a:blip r:embed="rId6" cstate="print">
-            <a:extLst>
-              <a:ext uri="{28A0092B-C50C-407E-A947-70E740481C1C}">
-                <a14:useLocalDpi xmlns:a14="http://schemas.microsoft.com/office/drawing/2010/main" val="0"/>
-              </a:ext>
-            </a:extLst>
-          </a:blip>
-          <a:srcRect/>
-          <a:stretch>
-            <a:fillRect/>
-          </a:stretch>
-        </p:blipFill>
-        <p:spPr bwMode="auto">
-          <a:xfrm>
-            <a:off x="6319863" y="4782788"/>
-            <a:ext cx="1978645" cy="862131"/>
-          </a:xfrm>
-          <a:prstGeom prst="rect">
-            <a:avLst/>
-          </a:prstGeom>
-          <a:noFill/>
-          <a:ln>
-            <a:noFill/>
-          </a:ln>
-          <a:extLst>
-            <a:ext uri="{909E8E84-426E-40DD-AFC4-6F175D3DCCD1}">
-              <a14:hiddenFill xmlns:a14="http://schemas.microsoft.com/office/drawing/2010/main">
-                <a:solidFill>
-                  <a:srgbClr val="FFFFFF"/>
-                </a:solidFill>
-              </a14:hiddenFill>
-            </a:ext>
-            <a:ext uri="{91240B29-F687-4F45-9708-019B960494DF}">
-              <a14:hiddenLine xmlns:a14="http://schemas.microsoft.com/office/drawing/2010/main" w="9525">
-                <a:solidFill>
-                  <a:srgbClr val="000000"/>
-                </a:solidFill>
-                <a:miter lim="800000"/>
-                <a:headEnd/>
-                <a:tailEnd/>
-              </a14:hiddenLine>
-            </a:ext>
-          </a:extLst>
-        </p:spPr>
-      </p:pic>
-      <p:pic>
-        <p:nvPicPr>
-          <p:cNvPr id="9" name="Picture 6" descr="Doctoral Training Centre"/>
-          <p:cNvPicPr>
-            <a:picLocks noChangeAspect="1" noChangeArrowheads="1"/>
-          </p:cNvPicPr>
-          <p:nvPr/>
-        </p:nvPicPr>
-        <p:blipFill>
-          <a:blip r:embed="rId7">
-            <a:extLst>
-              <a:ext uri="{28A0092B-C50C-407E-A947-70E740481C1C}">
-                <a14:useLocalDpi xmlns:a14="http://schemas.microsoft.com/office/drawing/2010/main" val="0"/>
-              </a:ext>
-            </a:extLst>
-          </a:blip>
-          <a:srcRect/>
-          <a:stretch>
-            <a:fillRect/>
-          </a:stretch>
-        </p:blipFill>
-        <p:spPr bwMode="auto">
-          <a:xfrm>
-            <a:off x="3632706" y="4689996"/>
-            <a:ext cx="922969" cy="922969"/>
-          </a:xfrm>
-          <a:prstGeom prst="rect">
-            <a:avLst/>
-          </a:prstGeom>
-          <a:noFill/>
-          <a:ln>
-            <a:noFill/>
-          </a:ln>
-          <a:extLst>
-            <a:ext uri="{909E8E84-426E-40DD-AFC4-6F175D3DCCD1}">
-              <a14:hiddenFill xmlns:a14="http://schemas.microsoft.com/office/drawing/2010/main">
-                <a:solidFill>
-                  <a:srgbClr val="FFFFFF"/>
-                </a:solidFill>
-              </a14:hiddenFill>
-            </a:ext>
-            <a:ext uri="{91240B29-F687-4F45-9708-019B960494DF}">
-              <a14:hiddenLine xmlns:a14="http://schemas.microsoft.com/office/drawing/2010/main" w="9525">
-                <a:solidFill>
-                  <a:srgbClr val="000000"/>
-                </a:solidFill>
-                <a:miter lim="800000"/>
-                <a:headEnd/>
-                <a:tailEnd/>
-              </a14:hiddenLine>
-            </a:ext>
-          </a:extLst>
-        </p:spPr>
-      </p:pic>
-      <p:pic>
-        <p:nvPicPr>
-          <p:cNvPr id="10" name="Picture 13" descr="http://www.ukcge.ac.uk/pageImages/logo_rcuk_1.jpg">
-            <a:hlinkClick r:id="rId8"/>
-          </p:cNvPr>
-          <p:cNvPicPr>
-            <a:picLocks noChangeAspect="1" noChangeArrowheads="1"/>
-          </p:cNvPicPr>
-          <p:nvPr/>
-        </p:nvPicPr>
-        <p:blipFill>
-          <a:blip r:embed="rId9">
-            <a:extLst>
-              <a:ext uri="{28A0092B-C50C-407E-A947-70E740481C1C}">
-                <a14:useLocalDpi xmlns:a14="http://schemas.microsoft.com/office/drawing/2010/main" val="0"/>
-              </a:ext>
-            </a:extLst>
-          </a:blip>
-          <a:srcRect/>
-          <a:stretch>
-            <a:fillRect/>
-          </a:stretch>
-        </p:blipFill>
-        <p:spPr bwMode="auto">
-          <a:xfrm>
-            <a:off x="5048411" y="4971713"/>
-            <a:ext cx="1036638" cy="1027112"/>
-          </a:xfrm>
-          <a:prstGeom prst="rect">
-            <a:avLst/>
-          </a:prstGeom>
-          <a:noFill/>
-          <a:ln>
-            <a:noFill/>
-          </a:ln>
-          <a:extLst>
-            <a:ext uri="{909E8E84-426E-40DD-AFC4-6F175D3DCCD1}">
-              <a14:hiddenFill xmlns:a14="http://schemas.microsoft.com/office/drawing/2010/main">
-                <a:solidFill>
-                  <a:srgbClr val="FFFFFF"/>
-                </a:solidFill>
-              </a14:hiddenFill>
-            </a:ext>
-            <a:ext uri="{91240B29-F687-4F45-9708-019B960494DF}">
-              <a14:hiddenLine xmlns:a14="http://schemas.microsoft.com/office/drawing/2010/main" w="9525">
-                <a:solidFill>
-                  <a:srgbClr val="000000"/>
-                </a:solidFill>
-                <a:miter lim="800000"/>
-                <a:headEnd/>
-                <a:tailEnd/>
-              </a14:hiddenLine>
-            </a:ext>
-          </a:extLst>
-        </p:spPr>
-      </p:pic>
-      <p:pic>
-        <p:nvPicPr>
-          <p:cNvPr id="11" name="Picture 3" descr="C:\MikeLocal\SSI\logos\Approved_SSI_Logos\SSI_Big300dpi.png"/>
-          <p:cNvPicPr>
-            <a:picLocks noChangeAspect="1" noChangeArrowheads="1"/>
-          </p:cNvPicPr>
-          <p:nvPr/>
-        </p:nvPicPr>
-        <p:blipFill>
-          <a:blip r:embed="rId10" cstate="print">
-            <a:extLst>
-              <a:ext uri="{28A0092B-C50C-407E-A947-70E740481C1C}">
-                <a14:useLocalDpi xmlns:a14="http://schemas.microsoft.com/office/drawing/2010/main" val="0"/>
-              </a:ext>
-            </a:extLst>
-          </a:blip>
-          <a:srcRect/>
-          <a:stretch>
-            <a:fillRect/>
-          </a:stretch>
-        </p:blipFill>
-        <p:spPr bwMode="auto">
-          <a:xfrm>
-            <a:off x="6256529" y="561957"/>
-            <a:ext cx="2787650" cy="719138"/>
-          </a:xfrm>
-          <a:prstGeom prst="rect">
-            <a:avLst/>
-          </a:prstGeom>
-          <a:noFill/>
-          <a:ln>
-            <a:noFill/>
-          </a:ln>
-          <a:extLst>
-            <a:ext uri="{909E8E84-426E-40DD-AFC4-6F175D3DCCD1}">
-              <a14:hiddenFill xmlns:a14="http://schemas.microsoft.com/office/drawing/2010/main">
-                <a:solidFill>
-                  <a:srgbClr val="FFFFFF"/>
-                </a:solidFill>
-              </a14:hiddenFill>
-            </a:ext>
-            <a:ext uri="{91240B29-F687-4F45-9708-019B960494DF}">
-              <a14:hiddenLine xmlns:a14="http://schemas.microsoft.com/office/drawing/2010/main" w="9525">
-                <a:solidFill>
-                  <a:srgbClr val="000000"/>
-                </a:solidFill>
-                <a:miter lim="800000"/>
-                <a:headEnd/>
-                <a:tailEnd/>
-              </a14:hiddenLine>
-            </a:ext>
-          </a:extLst>
-        </p:spPr>
-      </p:pic>
-      <p:pic>
-        <p:nvPicPr>
-          <p:cNvPr id="12" name="Picture 2"/>
-          <p:cNvPicPr>
-            <a:picLocks noChangeAspect="1" noChangeArrowheads="1"/>
-          </p:cNvPicPr>
-          <p:nvPr/>
-        </p:nvPicPr>
-        <p:blipFill>
-          <a:blip r:embed="rId11" cstate="print">
-            <a:extLst>
-              <a:ext uri="{28A0092B-C50C-407E-A947-70E740481C1C}">
-                <a14:useLocalDpi xmlns:a14="http://schemas.microsoft.com/office/drawing/2010/main" val="0"/>
-              </a:ext>
-            </a:extLst>
-          </a:blip>
-          <a:srcRect/>
-          <a:stretch>
-            <a:fillRect/>
-          </a:stretch>
-        </p:blipFill>
-        <p:spPr bwMode="auto">
-          <a:xfrm>
-            <a:off x="293390" y="1555722"/>
-            <a:ext cx="2098576" cy="2587417"/>
-          </a:xfrm>
-          <a:prstGeom prst="rect">
-            <a:avLst/>
-          </a:prstGeom>
-          <a:noFill/>
-          <a:ln>
-            <a:noFill/>
-          </a:ln>
-          <a:effectLst/>
-          <a:extLst>
-            <a:ext uri="{909E8E84-426E-40DD-AFC4-6F175D3DCCD1}">
-              <a14:hiddenFill xmlns:a14="http://schemas.microsoft.com/office/drawing/2010/main">
-                <a:solidFill>
-                  <a:schemeClr val="accent1"/>
-                </a:solidFill>
-              </a14:hiddenFill>
-            </a:ext>
-            <a:ext uri="{91240B29-F687-4F45-9708-019B960494DF}">
-              <a14:hiddenLine xmlns:a14="http://schemas.microsoft.com/office/drawing/2010/main" w="9525">
-                <a:solidFill>
-                  <a:schemeClr val="tx1"/>
-                </a:solidFill>
-                <a:miter lim="800000"/>
-                <a:headEnd/>
-                <a:tailEnd/>
-              </a14:hiddenLine>
-            </a:ext>
-            <a:ext uri="{AF507438-7753-43E0-B8FC-AC1667EBCBE1}">
-              <a14:hiddenEffects xmlns:a14="http://schemas.microsoft.com/office/drawing/2010/main">
-                <a:effectLst>
-                  <a:outerShdw dist="35921" dir="2700000" algn="ctr" rotWithShape="0">
-                    <a:schemeClr val="bg2"/>
-                  </a:outerShdw>
-                </a:effectLst>
-              </a14:hiddenEffects>
-            </a:ext>
-          </a:extLst>
-        </p:spPr>
-      </p:pic>
-      <p:pic>
-        <p:nvPicPr>
-          <p:cNvPr id="33" name="Picture 4" descr="https://www.epcc.ed.ac.uk/sites/default/files/IMAGE/DiRAC.png"/>
-          <p:cNvPicPr>
-            <a:picLocks noChangeAspect="1" noChangeArrowheads="1"/>
-          </p:cNvPicPr>
-          <p:nvPr/>
-        </p:nvPicPr>
-        <p:blipFill>
-          <a:blip r:embed="rId12">
-            <a:extLst>
-              <a:ext uri="{28A0092B-C50C-407E-A947-70E740481C1C}">
-                <a14:useLocalDpi xmlns:a14="http://schemas.microsoft.com/office/drawing/2010/main" val="0"/>
-              </a:ext>
-            </a:extLst>
-          </a:blip>
-          <a:srcRect/>
-          <a:stretch>
-            <a:fillRect/>
-          </a:stretch>
-        </p:blipFill>
-        <p:spPr bwMode="auto">
-          <a:xfrm>
-            <a:off x="7520179" y="3073540"/>
-            <a:ext cx="1524000" cy="752476"/>
-          </a:xfrm>
-          <a:prstGeom prst="rect">
-            <a:avLst/>
-          </a:prstGeom>
-          <a:noFill/>
-          <a:extLst>
-            <a:ext uri="{909E8E84-426E-40DD-AFC4-6F175D3DCCD1}">
-              <a14:hiddenFill xmlns:a14="http://schemas.microsoft.com/office/drawing/2010/main">
-                <a:solidFill>
-                  <a:srgbClr val="FFFFFF"/>
-                </a:solidFill>
-              </a14:hiddenFill>
-            </a:ext>
-          </a:extLst>
-        </p:spPr>
-      </p:pic>
-      <p:pic>
-        <p:nvPicPr>
-          <p:cNvPr id="1070" name="Picture 46" descr="Mozilla Science Lab logo"/>
-          <p:cNvPicPr>
-            <a:picLocks noChangeAspect="1" noChangeArrowheads="1"/>
-          </p:cNvPicPr>
-          <p:nvPr/>
-        </p:nvPicPr>
-        <p:blipFill>
-          <a:blip r:embed="rId13">
-            <a:extLst>
-              <a:ext uri="{28A0092B-C50C-407E-A947-70E740481C1C}">
-                <a14:useLocalDpi xmlns:a14="http://schemas.microsoft.com/office/drawing/2010/main" val="0"/>
-              </a:ext>
-            </a:extLst>
-          </a:blip>
-          <a:srcRect/>
-          <a:stretch>
-            <a:fillRect/>
-          </a:stretch>
-        </p:blipFill>
-        <p:spPr bwMode="auto">
-          <a:xfrm>
-            <a:off x="293390" y="5004022"/>
-            <a:ext cx="2838450" cy="657226"/>
-          </a:xfrm>
-          <a:prstGeom prst="rect">
-            <a:avLst/>
-          </a:prstGeom>
-          <a:noFill/>
-          <a:extLst>
-            <a:ext uri="{909E8E84-426E-40DD-AFC4-6F175D3DCCD1}">
-              <a14:hiddenFill xmlns:a14="http://schemas.microsoft.com/office/drawing/2010/main">
-                <a:solidFill>
-                  <a:srgbClr val="FFFFFF"/>
-                </a:solidFill>
-              </a14:hiddenFill>
-            </a:ext>
-          </a:extLst>
-        </p:spPr>
-      </p:pic>
-    </p:spTree>
-    <p:extLst>
-      <p:ext uri="{BB962C8B-B14F-4D97-AF65-F5344CB8AC3E}">
-        <p14:creationId xmlns:p14="http://schemas.microsoft.com/office/powerpoint/2010/main" val="2713232477"/>
-      </p:ext>
-    </p:extLst>
-  </p:cSld>
-  <p:clrMapOvr>
-    <a:masterClrMapping/>
-  </p:clrMapOvr>
-  <mc:AlternateContent xmlns:mc="http://schemas.openxmlformats.org/markup-compatibility/2006" xmlns:p14="http://schemas.microsoft.com/office/powerpoint/2010/main">
-    <mc:Choice Requires="p14">
-      <p:transition p14:dur="0"/>
-    </mc:Choice>
-    <mc:Fallback xmlns="">
-      <p:transition/>
-    </mc:Fallback>
-  </mc:AlternateContent>
-  <p:timing>
-    <p:tnLst>
-      <p:par>
-        <p:cTn id="1" dur="indefinite" restart="never" nodeType="tmRoot">
-          <p:childTnLst>
-            <p:seq concurrent="1" nextAc="seek">
-              <p:cTn id="2" dur="indefinite" nodeType="mainSeq">
-                <p:childTnLst>
-                  <p:par>
-                    <p:cTn id="3" fill="hold">
-                      <p:stCondLst>
-                        <p:cond delay="indefinite"/>
-                        <p:cond evt="onBegin" delay="0">
-                          <p:tn val="2"/>
-                        </p:cond>
-                      </p:stCondLst>
-                      <p:childTnLst>
-                        <p:par>
-                          <p:cTn id="4" fill="hold">
-                            <p:stCondLst>
-                              <p:cond delay="0"/>
-                            </p:stCondLst>
-                            <p:childTnLst>
-                              <p:par>
-                                <p:cTn id="5" presetID="1" presetClass="entr" presetSubtype="0" fill="hold" nodeType="withEffect">
-                                  <p:stCondLst>
-                                    <p:cond delay="0"/>
-                                  </p:stCondLst>
-                                  <p:childTnLst>
-                                    <p:set>
-                                      <p:cBhvr>
-                                        <p:cTn id="6" dur="1" fill="hold">
-                                          <p:stCondLst>
-                                            <p:cond delay="0"/>
-                                          </p:stCondLst>
-                                        </p:cTn>
-                                        <p:tgtEl>
-                                          <p:spTgt spid="12"/>
-                                        </p:tgtEl>
-                                        <p:attrNameLst>
-                                          <p:attrName>style.visibility</p:attrName>
-                                        </p:attrNameLst>
-                                      </p:cBhvr>
-                                      <p:to>
-                                        <p:strVal val="visible"/>
-                                      </p:to>
-                                    </p:set>
-                                  </p:childTnLst>
-                                </p:cTn>
-                              </p:par>
-                              <p:par>
-                                <p:cTn id="7" presetID="1" presetClass="entr" presetSubtype="0" fill="hold" nodeType="withEffect">
-                                  <p:stCondLst>
-                                    <p:cond delay="0"/>
-                                  </p:stCondLst>
-                                  <p:childTnLst>
-                                    <p:set>
-                                      <p:cBhvr>
-                                        <p:cTn id="8" dur="1" fill="hold">
-                                          <p:stCondLst>
-                                            <p:cond delay="0"/>
-                                          </p:stCondLst>
-                                        </p:cTn>
-                                        <p:tgtEl>
-                                          <p:spTgt spid="1070"/>
-                                        </p:tgtEl>
-                                        <p:attrNameLst>
-                                          <p:attrName>style.visibility</p:attrName>
-                                        </p:attrNameLst>
-                                      </p:cBhvr>
-                                      <p:to>
-                                        <p:strVal val="visible"/>
-                                      </p:to>
-                                    </p:set>
-                                  </p:childTnLst>
-                                </p:cTn>
-                              </p:par>
-                              <p:par>
-                                <p:cTn id="9" presetID="1" presetClass="entr" presetSubtype="0" fill="hold" nodeType="withEffect">
-                                  <p:stCondLst>
-                                    <p:cond delay="0"/>
-                                  </p:stCondLst>
-                                  <p:childTnLst>
-                                    <p:set>
-                                      <p:cBhvr>
-                                        <p:cTn id="10" dur="1" fill="hold">
-                                          <p:stCondLst>
-                                            <p:cond delay="0"/>
-                                          </p:stCondLst>
-                                        </p:cTn>
-                                        <p:tgtEl>
-                                          <p:spTgt spid="6"/>
-                                        </p:tgtEl>
-                                        <p:attrNameLst>
-                                          <p:attrName>style.visibility</p:attrName>
-                                        </p:attrNameLst>
-                                      </p:cBhvr>
-                                      <p:to>
-                                        <p:strVal val="visible"/>
-                                      </p:to>
-                                    </p:set>
-                                  </p:childTnLst>
-                                </p:cTn>
-                              </p:par>
-                            </p:childTnLst>
-                          </p:cTn>
-                        </p:par>
-                      </p:childTnLst>
-                    </p:cTn>
-                  </p:par>
-                  <p:par>
-                    <p:cTn id="11" fill="hold">
-                      <p:stCondLst>
-                        <p:cond delay="indefinite"/>
-                      </p:stCondLst>
-                      <p:childTnLst>
-                        <p:par>
-                          <p:cTn id="12" fill="hold">
-                            <p:stCondLst>
-                              <p:cond delay="0"/>
-                            </p:stCondLst>
-                            <p:childTnLst>
-                              <p:par>
-                                <p:cTn id="13" presetID="1" presetClass="entr" presetSubtype="0" fill="hold" nodeType="clickEffect">
-                                  <p:stCondLst>
-                                    <p:cond delay="0"/>
-                                  </p:stCondLst>
-                                  <p:childTnLst>
-                                    <p:set>
-                                      <p:cBhvr>
-                                        <p:cTn id="14" dur="1" fill="hold">
-                                          <p:stCondLst>
-                                            <p:cond delay="0"/>
-                                          </p:stCondLst>
-                                        </p:cTn>
-                                        <p:tgtEl>
-                                          <p:spTgt spid="11"/>
-                                        </p:tgtEl>
-                                        <p:attrNameLst>
-                                          <p:attrName>style.visibility</p:attrName>
-                                        </p:attrNameLst>
-                                      </p:cBhvr>
-                                      <p:to>
-                                        <p:strVal val="visible"/>
-                                      </p:to>
-                                    </p:set>
-                                  </p:childTnLst>
-                                </p:cTn>
-                              </p:par>
-                            </p:childTnLst>
-                          </p:cTn>
-                        </p:par>
-                      </p:childTnLst>
-                    </p:cTn>
-                  </p:par>
-                  <p:par>
-                    <p:cTn id="15" fill="hold">
-                      <p:stCondLst>
-                        <p:cond delay="indefinite"/>
-                      </p:stCondLst>
-                      <p:childTnLst>
-                        <p:par>
-                          <p:cTn id="16" fill="hold">
-                            <p:stCondLst>
-                              <p:cond delay="0"/>
-                            </p:stCondLst>
-                            <p:childTnLst>
-                              <p:par>
-                                <p:cTn id="17" presetID="1" presetClass="entr" presetSubtype="0" fill="hold" nodeType="clickEffect">
-                                  <p:stCondLst>
-                                    <p:cond delay="0"/>
-                                  </p:stCondLst>
-                                  <p:childTnLst>
-                                    <p:set>
-                                      <p:cBhvr>
-                                        <p:cTn id="18" dur="1" fill="hold">
-                                          <p:stCondLst>
-                                            <p:cond delay="0"/>
-                                          </p:stCondLst>
-                                        </p:cTn>
-                                        <p:tgtEl>
-                                          <p:spTgt spid="10"/>
-                                        </p:tgtEl>
-                                        <p:attrNameLst>
-                                          <p:attrName>style.visibility</p:attrName>
-                                        </p:attrNameLst>
-                                      </p:cBhvr>
-                                      <p:to>
-                                        <p:strVal val="visible"/>
-                                      </p:to>
-                                    </p:set>
-                                  </p:childTnLst>
-                                </p:cTn>
-                              </p:par>
-                              <p:par>
-                                <p:cTn id="19" presetID="1" presetClass="entr" presetSubtype="0" fill="hold" nodeType="withEffect">
-                                  <p:stCondLst>
-                                    <p:cond delay="0"/>
-                                  </p:stCondLst>
-                                  <p:childTnLst>
-                                    <p:set>
-                                      <p:cBhvr>
-                                        <p:cTn id="20" dur="1" fill="hold">
-                                          <p:stCondLst>
-                                            <p:cond delay="0"/>
-                                          </p:stCondLst>
-                                        </p:cTn>
-                                        <p:tgtEl>
-                                          <p:spTgt spid="8"/>
-                                        </p:tgtEl>
-                                        <p:attrNameLst>
-                                          <p:attrName>style.visibility</p:attrName>
-                                        </p:attrNameLst>
-                                      </p:cBhvr>
-                                      <p:to>
-                                        <p:strVal val="visible"/>
-                                      </p:to>
-                                    </p:set>
-                                  </p:childTnLst>
-                                </p:cTn>
-                              </p:par>
-                              <p:par>
-                                <p:cTn id="21" presetID="1" presetClass="entr" presetSubtype="0" fill="hold" nodeType="withEffect">
-                                  <p:stCondLst>
-                                    <p:cond delay="0"/>
-                                  </p:stCondLst>
-                                  <p:childTnLst>
-                                    <p:set>
-                                      <p:cBhvr>
-                                        <p:cTn id="22" dur="1" fill="hold">
-                                          <p:stCondLst>
-                                            <p:cond delay="0"/>
-                                          </p:stCondLst>
-                                        </p:cTn>
-                                        <p:tgtEl>
-                                          <p:spTgt spid="9"/>
-                                        </p:tgtEl>
-                                        <p:attrNameLst>
-                                          <p:attrName>style.visibility</p:attrName>
-                                        </p:attrNameLst>
-                                      </p:cBhvr>
-                                      <p:to>
-                                        <p:strVal val="visible"/>
-                                      </p:to>
-                                    </p:set>
-                                  </p:childTnLst>
-                                </p:cTn>
-                              </p:par>
-                            </p:childTnLst>
-                          </p:cTn>
-                        </p:par>
-                      </p:childTnLst>
-                    </p:cTn>
-                  </p:par>
-                  <p:par>
-                    <p:cTn id="23" fill="hold">
-                      <p:stCondLst>
-                        <p:cond delay="indefinite"/>
-                      </p:stCondLst>
-                      <p:childTnLst>
-                        <p:par>
-                          <p:cTn id="24" fill="hold">
-                            <p:stCondLst>
-                              <p:cond delay="0"/>
-                            </p:stCondLst>
-                            <p:childTnLst>
-                              <p:par>
-                                <p:cTn id="25" presetID="1" presetClass="entr" presetSubtype="0" fill="hold" nodeType="clickEffect">
-                                  <p:stCondLst>
-                                    <p:cond delay="0"/>
-                                  </p:stCondLst>
-                                  <p:childTnLst>
-                                    <p:set>
-                                      <p:cBhvr>
-                                        <p:cTn id="26" dur="1" fill="hold">
-                                          <p:stCondLst>
-                                            <p:cond delay="0"/>
-                                          </p:stCondLst>
-                                        </p:cTn>
-                                        <p:tgtEl>
-                                          <p:spTgt spid="33"/>
-                                        </p:tgtEl>
-                                        <p:attrNameLst>
-                                          <p:attrName>style.visibility</p:attrName>
-                                        </p:attrNameLst>
-                                      </p:cBhvr>
-                                      <p:to>
-                                        <p:strVal val="visible"/>
-                                      </p:to>
-                                    </p:set>
-                                  </p:childTnLst>
-                                </p:cTn>
-                              </p:par>
-                            </p:childTnLst>
-                          </p:cTn>
-                        </p:par>
-                      </p:childTnLst>
-                    </p:cTn>
-                  </p:par>
-                </p:childTnLst>
-              </p:cTn>
-              <p:prevCondLst>
-                <p:cond evt="onPrev" delay="0">
-                  <p:tgtEl>
-                    <p:sldTgt/>
-                  </p:tgtEl>
-                </p:cond>
-              </p:prevCondLst>
-              <p:nextCondLst>
-                <p:cond evt="onNext" delay="0">
-                  <p:tgtEl>
-                    <p:sldTgt/>
-                  </p:tgtEl>
-                </p:cond>
-              </p:nextCondLst>
-            </p:seq>
-          </p:childTnLst>
-        </p:cTn>
-      </p:par>
-    </p:tnLst>
-  </p:timing>
-</p:sld>
-</file>
-
-<file path=ppt/slides/slide15.xml><?xml version="1.0" encoding="utf-8"?>
 <p:sld xmlns:a="http://schemas.openxmlformats.org/drawingml/2006/main" xmlns:r="http://schemas.openxmlformats.org/officeDocument/2006/relationships" xmlns:p="http://schemas.openxmlformats.org/presentationml/2006/main">
   <p:cSld>
     <p:spTree>
@@ -14774,7 +13966,7 @@
 </p:sld>
 </file>
 
-<file path=ppt/slides/slide16.xml><?xml version="1.0" encoding="utf-8"?>
+<file path=ppt/slides/slide15.xml><?xml version="1.0" encoding="utf-8"?>
 <p:sld xmlns:a="http://schemas.openxmlformats.org/drawingml/2006/main" xmlns:r="http://schemas.openxmlformats.org/officeDocument/2006/relationships" xmlns:p="http://schemas.openxmlformats.org/presentationml/2006/main">
   <p:cSld>
     <p:spTree>
@@ -16322,11 +15514,31 @@
             <a:pPr lvl="1"/>
             <a:r>
               <a:rPr lang="en-GB" sz="2400" dirty="0" smtClean="0"/>
-              <a:t>#19 </a:t>
+              <a:t>#</a:t>
+            </a:r>
+            <a:r>
+              <a:rPr lang="en-GB" sz="2400" dirty="0" smtClean="0"/>
+              <a:t>25</a:t>
+            </a:r>
+            <a:r>
+              <a:rPr lang="en-GB" sz="2400" dirty="0" smtClean="0"/>
+              <a:t> </a:t>
             </a:r>
             <a:r>
               <a:rPr lang="en-GB" sz="2400" dirty="0"/>
-              <a:t>in November 2013 top 500 list with 1.65 </a:t>
+              <a:t>in </a:t>
+            </a:r>
+            <a:r>
+              <a:rPr lang="en-GB" sz="2400" dirty="0" smtClean="0"/>
+              <a:t>June</a:t>
+            </a:r>
+            <a:r>
+              <a:rPr lang="en-GB" sz="2400" dirty="0" smtClean="0"/>
+              <a:t> 2014 </a:t>
+            </a:r>
+            <a:r>
+              <a:rPr lang="en-GB" sz="2400" dirty="0"/>
+              <a:t>top 500 list with 1.65 </a:t>
             </a:r>
             <a:r>
               <a:rPr lang="en-GB" sz="2400" dirty="0" err="1" smtClean="0"/>
@@ -16339,20 +15551,8 @@
             <a:endParaRPr lang="en-GB" sz="2400" dirty="0"/>
           </a:p>
           <a:p>
-            <a:pPr lvl="1"/>
-            <a:r>
-              <a:rPr lang="en-GB" sz="2400" dirty="0"/>
-              <a:t>Fastest (known) computer in the </a:t>
-            </a:r>
-            <a:r>
-              <a:rPr lang="en-GB" sz="2400" dirty="0" smtClean="0"/>
-              <a:t>UK</a:t>
-            </a:r>
-            <a:endParaRPr lang="en-GB" sz="2400" dirty="0"/>
-          </a:p>
-          <a:p>
-            <a:r>
-              <a:rPr lang="en-GB" sz="3200" dirty="0" smtClean="0"/>
+            <a:r>
+              <a:rPr lang="en-GB" sz="3200" smtClean="0"/>
               <a:t>Extract </a:t>
             </a:r>
             <a:r>
@@ -16624,55 +15824,6 @@
                       </p:childTnLst>
                     </p:cTn>
                   </p:par>
-                  <p:par>
-                    <p:cTn id="21" fill="hold">
-                      <p:stCondLst>
-                        <p:cond delay="indefinite"/>
-                      </p:stCondLst>
-                      <p:childTnLst>
-                        <p:par>
-                          <p:cTn id="22" fill="hold">
-                            <p:stCondLst>
-                              <p:cond delay="0"/>
-                            </p:stCondLst>
-                            <p:childTnLst>
-                              <p:par>
-                                <p:cTn id="23" presetID="1" presetClass="entr" presetSubtype="0" fill="hold" nodeType="clickEffect">
-                                  <p:stCondLst>
-                                    <p:cond delay="0"/>
-                                  </p:stCondLst>
-                                  <p:childTnLst>
-                                    <p:set>
-                                      <p:cBhvr>
-                                        <p:cTn id="24" dur="1" fill="hold">
-                                          <p:stCondLst>
-                                            <p:cond delay="0"/>
-                                          </p:stCondLst>
-                                        </p:cTn>
-                                        <p:tgtEl>
-                                          <p:spTgt spid="3">
-                                            <p:txEl>
-                                              <p:pRg st="5" end="5"/>
-                                            </p:txEl>
-                                          </p:spTgt>
-                                        </p:tgtEl>
-                                        <p:attrNameLst>
-                                          <p:attrName>style.visibility</p:attrName>
-                                        </p:attrNameLst>
-                                      </p:cBhvr>
-                                      <p:to>
-                                        <p:strVal val="visible"/>
-                                      </p:to>
-                                    </p:set>
-                                  </p:childTnLst>
-                                </p:cTn>
-                              </p:par>
-                            </p:childTnLst>
-                          </p:cTn>
-                        </p:par>
-                      </p:childTnLst>
-                    </p:cTn>
-                  </p:par>
                 </p:childTnLst>
               </p:cTn>
               <p:prevCondLst>
@@ -16732,11 +15883,7 @@
           <a:p>
             <a:r>
               <a:rPr lang="en-GB" dirty="0" smtClean="0"/>
-              <a:t>Optimization is </a:t>
-            </a:r>
-            <a:r>
-              <a:rPr lang="en-GB" smtClean="0"/>
-              <a:t>perlious</a:t>
+              <a:t>Optimization is risky</a:t>
             </a:r>
             <a:endParaRPr lang="en-GB" dirty="0"/>
           </a:p>
@@ -17140,14 +16287,14 @@
             </a:r>
             <a:r>
               <a:rPr lang="en-GB" dirty="0" smtClean="0"/>
-              <a:t>n optimised code that produces incorrect results?</a:t>
+              <a:t>n optimized code that produces incorrect results?</a:t>
             </a:r>
           </a:p>
           <a:p>
             <a:pPr lvl="1"/>
             <a:r>
               <a:rPr lang="en-GB" dirty="0" smtClean="0"/>
-              <a:t>A non-optimised code that produces correct results?</a:t>
+              <a:t>A non-optimized code that produces correct results?</a:t>
             </a:r>
           </a:p>
           <a:p>
@@ -17579,13 +16726,29 @@
           <a:p>
             <a:r>
               <a:rPr lang="en-GB" sz="3600" dirty="0"/>
-              <a:t>Don't – optimised code is not readable or maintainable code</a:t>
-            </a:r>
-          </a:p>
-          <a:p>
+              <a:t>Don't – </a:t>
+            </a:r>
+            <a:r>
+              <a:rPr lang="en-GB" sz="3600" dirty="0" smtClean="0"/>
+              <a:t>optimized </a:t>
+            </a:r>
             <a:r>
               <a:rPr lang="en-GB" sz="3600" dirty="0"/>
-              <a:t>Don't....yet – designing code is not the same as optimising code</a:t>
+              <a:t>code is not readable or maintainable code</a:t>
+            </a:r>
+          </a:p>
+          <a:p>
+            <a:r>
+              <a:rPr lang="en-GB" sz="3600" dirty="0"/>
+              <a:t>Don't....yet – designing code is not the same as </a:t>
+            </a:r>
+            <a:r>
+              <a:rPr lang="en-GB" sz="3600" dirty="0" smtClean="0"/>
+              <a:t>optimizing </a:t>
+            </a:r>
+            <a:r>
+              <a:rPr lang="en-GB" sz="3600" dirty="0"/>
+              <a:t>code</a:t>
             </a:r>
           </a:p>
           <a:p>
